--- a/icon.pptx
+++ b/icon.pptx
@@ -260,7 +260,7 @@
           <a:p>
             <a:fld id="{09A8E1A7-2917-4CBA-A621-D94BAEB9FDFE}" type="datetimeFigureOut">
               <a:rPr kumimoji="1" lang="ja-JP" altLang="en-US" smtClean="0"/>
-              <a:t>2024/4/10</a:t>
+              <a:t>2024/4/17</a:t>
             </a:fld>
             <a:endParaRPr kumimoji="1" lang="ja-JP" altLang="en-US"/>
           </a:p>
@@ -490,7 +490,7 @@
           <a:p>
             <a:fld id="{09A8E1A7-2917-4CBA-A621-D94BAEB9FDFE}" type="datetimeFigureOut">
               <a:rPr kumimoji="1" lang="ja-JP" altLang="en-US" smtClean="0"/>
-              <a:t>2024/4/10</a:t>
+              <a:t>2024/4/17</a:t>
             </a:fld>
             <a:endParaRPr kumimoji="1" lang="ja-JP" altLang="en-US"/>
           </a:p>
@@ -730,7 +730,7 @@
           <a:p>
             <a:fld id="{09A8E1A7-2917-4CBA-A621-D94BAEB9FDFE}" type="datetimeFigureOut">
               <a:rPr kumimoji="1" lang="ja-JP" altLang="en-US" smtClean="0"/>
-              <a:t>2024/4/10</a:t>
+              <a:t>2024/4/17</a:t>
             </a:fld>
             <a:endParaRPr kumimoji="1" lang="ja-JP" altLang="en-US"/>
           </a:p>
@@ -960,7 +960,7 @@
           <a:p>
             <a:fld id="{09A8E1A7-2917-4CBA-A621-D94BAEB9FDFE}" type="datetimeFigureOut">
               <a:rPr kumimoji="1" lang="ja-JP" altLang="en-US" smtClean="0"/>
-              <a:t>2024/4/10</a:t>
+              <a:t>2024/4/17</a:t>
             </a:fld>
             <a:endParaRPr kumimoji="1" lang="ja-JP" altLang="en-US"/>
           </a:p>
@@ -1235,7 +1235,7 @@
           <a:p>
             <a:fld id="{09A8E1A7-2917-4CBA-A621-D94BAEB9FDFE}" type="datetimeFigureOut">
               <a:rPr kumimoji="1" lang="ja-JP" altLang="en-US" smtClean="0"/>
-              <a:t>2024/4/10</a:t>
+              <a:t>2024/4/17</a:t>
             </a:fld>
             <a:endParaRPr kumimoji="1" lang="ja-JP" altLang="en-US"/>
           </a:p>
@@ -1564,7 +1564,7 @@
           <a:p>
             <a:fld id="{09A8E1A7-2917-4CBA-A621-D94BAEB9FDFE}" type="datetimeFigureOut">
               <a:rPr kumimoji="1" lang="ja-JP" altLang="en-US" smtClean="0"/>
-              <a:t>2024/4/10</a:t>
+              <a:t>2024/4/17</a:t>
             </a:fld>
             <a:endParaRPr kumimoji="1" lang="ja-JP" altLang="en-US"/>
           </a:p>
@@ -2040,7 +2040,7 @@
           <a:p>
             <a:fld id="{09A8E1A7-2917-4CBA-A621-D94BAEB9FDFE}" type="datetimeFigureOut">
               <a:rPr kumimoji="1" lang="ja-JP" altLang="en-US" smtClean="0"/>
-              <a:t>2024/4/10</a:t>
+              <a:t>2024/4/17</a:t>
             </a:fld>
             <a:endParaRPr kumimoji="1" lang="ja-JP" altLang="en-US"/>
           </a:p>
@@ -2181,7 +2181,7 @@
           <a:p>
             <a:fld id="{09A8E1A7-2917-4CBA-A621-D94BAEB9FDFE}" type="datetimeFigureOut">
               <a:rPr kumimoji="1" lang="ja-JP" altLang="en-US" smtClean="0"/>
-              <a:t>2024/4/10</a:t>
+              <a:t>2024/4/17</a:t>
             </a:fld>
             <a:endParaRPr kumimoji="1" lang="ja-JP" altLang="en-US"/>
           </a:p>
@@ -2294,7 +2294,7 @@
           <a:p>
             <a:fld id="{09A8E1A7-2917-4CBA-A621-D94BAEB9FDFE}" type="datetimeFigureOut">
               <a:rPr kumimoji="1" lang="ja-JP" altLang="en-US" smtClean="0"/>
-              <a:t>2024/4/10</a:t>
+              <a:t>2024/4/17</a:t>
             </a:fld>
             <a:endParaRPr kumimoji="1" lang="ja-JP" altLang="en-US"/>
           </a:p>
@@ -2637,7 +2637,7 @@
           <a:p>
             <a:fld id="{09A8E1A7-2917-4CBA-A621-D94BAEB9FDFE}" type="datetimeFigureOut">
               <a:rPr kumimoji="1" lang="ja-JP" altLang="en-US" smtClean="0"/>
-              <a:t>2024/4/10</a:t>
+              <a:t>2024/4/17</a:t>
             </a:fld>
             <a:endParaRPr kumimoji="1" lang="ja-JP" altLang="en-US"/>
           </a:p>
@@ -2925,7 +2925,7 @@
           <a:p>
             <a:fld id="{09A8E1A7-2917-4CBA-A621-D94BAEB9FDFE}" type="datetimeFigureOut">
               <a:rPr kumimoji="1" lang="ja-JP" altLang="en-US" smtClean="0"/>
-              <a:t>2024/4/10</a:t>
+              <a:t>2024/4/17</a:t>
             </a:fld>
             <a:endParaRPr kumimoji="1" lang="ja-JP" altLang="en-US"/>
           </a:p>
@@ -3198,7 +3198,7 @@
           <a:p>
             <a:fld id="{09A8E1A7-2917-4CBA-A621-D94BAEB9FDFE}" type="datetimeFigureOut">
               <a:rPr kumimoji="1" lang="ja-JP" altLang="en-US" smtClean="0"/>
-              <a:t>2024/4/10</a:t>
+              <a:t>2024/4/17</a:t>
             </a:fld>
             <a:endParaRPr kumimoji="1" lang="ja-JP" altLang="en-US"/>
           </a:p>
@@ -4116,1100 +4116,6 @@
       </p:sp>
       <p:sp>
         <p:nvSpPr>
-          <p:cNvPr id="10" name="フリーフォーム: 図形 9">
-            <a:extLst>
-              <a:ext uri="{FF2B5EF4-FFF2-40B4-BE49-F238E27FC236}">
-                <a16:creationId xmlns:a16="http://schemas.microsoft.com/office/drawing/2014/main" id="{C89C15E5-37E0-C6DC-C68E-04F9DE1E6BDA}"/>
-              </a:ext>
-            </a:extLst>
-          </p:cNvPr>
-          <p:cNvSpPr/>
-          <p:nvPr/>
-        </p:nvSpPr>
-        <p:spPr>
-          <a:xfrm>
-            <a:off x="3830158" y="1356222"/>
-            <a:ext cx="4219723" cy="1049163"/>
-          </a:xfrm>
-          <a:custGeom>
-            <a:avLst/>
-            <a:gdLst>
-              <a:gd name="connsiteX0" fmla="*/ 3624909 w 4219723"/>
-              <a:gd name="connsiteY0" fmla="*/ 0 h 1049163"/>
-              <a:gd name="connsiteX1" fmla="*/ 3600863 w 4219723"/>
-              <a:gd name="connsiteY1" fmla="*/ 0 h 1049163"/>
-              <a:gd name="connsiteX2" fmla="*/ 3600863 w 4219723"/>
-              <a:gd name="connsiteY2" fmla="*/ 241248 h 1049163"/>
-              <a:gd name="connsiteX3" fmla="*/ 3326965 w 4219723"/>
-              <a:gd name="connsiteY3" fmla="*/ 515084 h 1049163"/>
-              <a:gd name="connsiteX4" fmla="*/ 3053068 w 4219723"/>
-              <a:gd name="connsiteY4" fmla="*/ 241248 h 1049163"/>
-              <a:gd name="connsiteX5" fmla="*/ 3053068 w 4219723"/>
-              <a:gd name="connsiteY5" fmla="*/ 0 h 1049163"/>
-              <a:gd name="connsiteX6" fmla="*/ 2383679 w 4219723"/>
-              <a:gd name="connsiteY6" fmla="*/ 0 h 1049163"/>
-              <a:gd name="connsiteX7" fmla="*/ 2383679 w 4219723"/>
-              <a:gd name="connsiteY7" fmla="*/ 241248 h 1049163"/>
-              <a:gd name="connsiteX8" fmla="*/ 2109782 w 4219723"/>
-              <a:gd name="connsiteY8" fmla="*/ 515084 h 1049163"/>
-              <a:gd name="connsiteX9" fmla="*/ 1835885 w 4219723"/>
-              <a:gd name="connsiteY9" fmla="*/ 241248 h 1049163"/>
-              <a:gd name="connsiteX10" fmla="*/ 1835885 w 4219723"/>
-              <a:gd name="connsiteY10" fmla="*/ 0 h 1049163"/>
-              <a:gd name="connsiteX11" fmla="*/ 1166496 w 4219723"/>
-              <a:gd name="connsiteY11" fmla="*/ 0 h 1049163"/>
-              <a:gd name="connsiteX12" fmla="*/ 1166496 w 4219723"/>
-              <a:gd name="connsiteY12" fmla="*/ 241248 h 1049163"/>
-              <a:gd name="connsiteX13" fmla="*/ 892598 w 4219723"/>
-              <a:gd name="connsiteY13" fmla="*/ 515084 h 1049163"/>
-              <a:gd name="connsiteX14" fmla="*/ 618701 w 4219723"/>
-              <a:gd name="connsiteY14" fmla="*/ 241248 h 1049163"/>
-              <a:gd name="connsiteX15" fmla="*/ 618701 w 4219723"/>
-              <a:gd name="connsiteY15" fmla="*/ 0 h 1049163"/>
-              <a:gd name="connsiteX16" fmla="*/ 594797 w 4219723"/>
-              <a:gd name="connsiteY16" fmla="*/ 0 h 1049163"/>
-              <a:gd name="connsiteX17" fmla="*/ 0 w 4219723"/>
-              <a:gd name="connsiteY17" fmla="*/ 594797 h 1049163"/>
-              <a:gd name="connsiteX18" fmla="*/ 0 w 4219723"/>
-              <a:gd name="connsiteY18" fmla="*/ 1049163 h 1049163"/>
-              <a:gd name="connsiteX19" fmla="*/ 4219723 w 4219723"/>
-              <a:gd name="connsiteY19" fmla="*/ 1049163 h 1049163"/>
-              <a:gd name="connsiteX20" fmla="*/ 4219723 w 4219723"/>
-              <a:gd name="connsiteY20" fmla="*/ 594797 h 1049163"/>
-              <a:gd name="connsiteX21" fmla="*/ 3624909 w 4219723"/>
-              <a:gd name="connsiteY21" fmla="*/ 0 h 1049163"/>
-            </a:gdLst>
-            <a:ahLst/>
-            <a:cxnLst>
-              <a:cxn ang="0">
-                <a:pos x="connsiteX0" y="connsiteY0"/>
-              </a:cxn>
-              <a:cxn ang="0">
-                <a:pos x="connsiteX1" y="connsiteY1"/>
-              </a:cxn>
-              <a:cxn ang="0">
-                <a:pos x="connsiteX2" y="connsiteY2"/>
-              </a:cxn>
-              <a:cxn ang="0">
-                <a:pos x="connsiteX3" y="connsiteY3"/>
-              </a:cxn>
-              <a:cxn ang="0">
-                <a:pos x="connsiteX4" y="connsiteY4"/>
-              </a:cxn>
-              <a:cxn ang="0">
-                <a:pos x="connsiteX5" y="connsiteY5"/>
-              </a:cxn>
-              <a:cxn ang="0">
-                <a:pos x="connsiteX6" y="connsiteY6"/>
-              </a:cxn>
-              <a:cxn ang="0">
-                <a:pos x="connsiteX7" y="connsiteY7"/>
-              </a:cxn>
-              <a:cxn ang="0">
-                <a:pos x="connsiteX8" y="connsiteY8"/>
-              </a:cxn>
-              <a:cxn ang="0">
-                <a:pos x="connsiteX9" y="connsiteY9"/>
-              </a:cxn>
-              <a:cxn ang="0">
-                <a:pos x="connsiteX10" y="connsiteY10"/>
-              </a:cxn>
-              <a:cxn ang="0">
-                <a:pos x="connsiteX11" y="connsiteY11"/>
-              </a:cxn>
-              <a:cxn ang="0">
-                <a:pos x="connsiteX12" y="connsiteY12"/>
-              </a:cxn>
-              <a:cxn ang="0">
-                <a:pos x="connsiteX13" y="connsiteY13"/>
-              </a:cxn>
-              <a:cxn ang="0">
-                <a:pos x="connsiteX14" y="connsiteY14"/>
-              </a:cxn>
-              <a:cxn ang="0">
-                <a:pos x="connsiteX15" y="connsiteY15"/>
-              </a:cxn>
-              <a:cxn ang="0">
-                <a:pos x="connsiteX16" y="connsiteY16"/>
-              </a:cxn>
-              <a:cxn ang="0">
-                <a:pos x="connsiteX17" y="connsiteY17"/>
-              </a:cxn>
-              <a:cxn ang="0">
-                <a:pos x="connsiteX18" y="connsiteY18"/>
-              </a:cxn>
-              <a:cxn ang="0">
-                <a:pos x="connsiteX19" y="connsiteY19"/>
-              </a:cxn>
-              <a:cxn ang="0">
-                <a:pos x="connsiteX20" y="connsiteY20"/>
-              </a:cxn>
-              <a:cxn ang="0">
-                <a:pos x="connsiteX21" y="connsiteY21"/>
-              </a:cxn>
-            </a:cxnLst>
-            <a:rect l="l" t="t" r="r" b="b"/>
-            <a:pathLst>
-              <a:path w="4219723" h="1049163">
-                <a:moveTo>
-                  <a:pt x="3624909" y="0"/>
-                </a:moveTo>
-                <a:lnTo>
-                  <a:pt x="3600863" y="0"/>
-                </a:lnTo>
-                <a:lnTo>
-                  <a:pt x="3600863" y="241248"/>
-                </a:lnTo>
-                <a:cubicBezTo>
-                  <a:pt x="3600863" y="392205"/>
-                  <a:pt x="3478055" y="515084"/>
-                  <a:pt x="3326965" y="515084"/>
-                </a:cubicBezTo>
-                <a:cubicBezTo>
-                  <a:pt x="3176009" y="515084"/>
-                  <a:pt x="3053068" y="392196"/>
-                  <a:pt x="3053068" y="241248"/>
-                </a:cubicBezTo>
-                <a:lnTo>
-                  <a:pt x="3053068" y="0"/>
-                </a:lnTo>
-                <a:lnTo>
-                  <a:pt x="2383679" y="0"/>
-                </a:lnTo>
-                <a:lnTo>
-                  <a:pt x="2383679" y="241248"/>
-                </a:lnTo>
-                <a:cubicBezTo>
-                  <a:pt x="2383679" y="392205"/>
-                  <a:pt x="2260738" y="515084"/>
-                  <a:pt x="2109782" y="515084"/>
-                </a:cubicBezTo>
-                <a:cubicBezTo>
-                  <a:pt x="1958826" y="515084"/>
-                  <a:pt x="1835885" y="392196"/>
-                  <a:pt x="1835885" y="241248"/>
-                </a:cubicBezTo>
-                <a:lnTo>
-                  <a:pt x="1835885" y="0"/>
-                </a:lnTo>
-                <a:lnTo>
-                  <a:pt x="1166496" y="0"/>
-                </a:lnTo>
-                <a:lnTo>
-                  <a:pt x="1166496" y="241248"/>
-                </a:lnTo>
-                <a:cubicBezTo>
-                  <a:pt x="1166496" y="392205"/>
-                  <a:pt x="1043555" y="515084"/>
-                  <a:pt x="892598" y="515084"/>
-                </a:cubicBezTo>
-                <a:cubicBezTo>
-                  <a:pt x="741642" y="515084"/>
-                  <a:pt x="618701" y="392196"/>
-                  <a:pt x="618701" y="241248"/>
-                </a:cubicBezTo>
-                <a:lnTo>
-                  <a:pt x="618701" y="0"/>
-                </a:lnTo>
-                <a:lnTo>
-                  <a:pt x="594797" y="0"/>
-                </a:lnTo>
-                <a:cubicBezTo>
-                  <a:pt x="266251" y="0"/>
-                  <a:pt x="0" y="266313"/>
-                  <a:pt x="0" y="594797"/>
-                </a:cubicBezTo>
-                <a:lnTo>
-                  <a:pt x="0" y="1049163"/>
-                </a:lnTo>
-                <a:lnTo>
-                  <a:pt x="4219723" y="1049163"/>
-                </a:lnTo>
-                <a:lnTo>
-                  <a:pt x="4219723" y="594797"/>
-                </a:lnTo>
-                <a:cubicBezTo>
-                  <a:pt x="4219706" y="266322"/>
-                  <a:pt x="3953313" y="0"/>
-                  <a:pt x="3624909" y="0"/>
-                </a:cubicBezTo>
-                <a:close/>
-              </a:path>
-            </a:pathLst>
-          </a:custGeom>
-          <a:solidFill>
-            <a:schemeClr val="bg1">
-              <a:lumMod val="50000"/>
-            </a:schemeClr>
-          </a:solidFill>
-          <a:ln w="8855" cap="flat">
-            <a:noFill/>
-            <a:prstDash val="solid"/>
-            <a:miter/>
-          </a:ln>
-        </p:spPr>
-        <p:txBody>
-          <a:bodyPr rtlCol="0" anchor="ctr"/>
-          <a:lstStyle/>
-          <a:p>
-            <a:endParaRPr lang="ja-JP" altLang="en-US"/>
-          </a:p>
-        </p:txBody>
-      </p:sp>
-      <p:sp>
-        <p:nvSpPr>
-          <p:cNvPr id="11" name="フリーフォーム: 図形 10">
-            <a:extLst>
-              <a:ext uri="{FF2B5EF4-FFF2-40B4-BE49-F238E27FC236}">
-                <a16:creationId xmlns:a16="http://schemas.microsoft.com/office/drawing/2014/main" id="{6F1FF6BC-5A28-9E80-512F-E4BEBD300BCB}"/>
-              </a:ext>
-            </a:extLst>
-          </p:cNvPr>
-          <p:cNvSpPr/>
-          <p:nvPr/>
-        </p:nvSpPr>
-        <p:spPr>
-          <a:xfrm>
-            <a:off x="4570701" y="958418"/>
-            <a:ext cx="304357" cy="791169"/>
-          </a:xfrm>
-          <a:custGeom>
-            <a:avLst/>
-            <a:gdLst>
-              <a:gd name="connsiteX0" fmla="*/ 152179 w 304357"/>
-              <a:gd name="connsiteY0" fmla="*/ 791169 h 791169"/>
-              <a:gd name="connsiteX1" fmla="*/ 304358 w 304357"/>
-              <a:gd name="connsiteY1" fmla="*/ 639052 h 791169"/>
-              <a:gd name="connsiteX2" fmla="*/ 304358 w 304357"/>
-              <a:gd name="connsiteY2" fmla="*/ 152108 h 791169"/>
-              <a:gd name="connsiteX3" fmla="*/ 152179 w 304357"/>
-              <a:gd name="connsiteY3" fmla="*/ 0 h 791169"/>
-              <a:gd name="connsiteX4" fmla="*/ 0 w 304357"/>
-              <a:gd name="connsiteY4" fmla="*/ 152117 h 791169"/>
-              <a:gd name="connsiteX5" fmla="*/ 0 w 304357"/>
-              <a:gd name="connsiteY5" fmla="*/ 639061 h 791169"/>
-              <a:gd name="connsiteX6" fmla="*/ 152179 w 304357"/>
-              <a:gd name="connsiteY6" fmla="*/ 791169 h 791169"/>
-            </a:gdLst>
-            <a:ahLst/>
-            <a:cxnLst>
-              <a:cxn ang="0">
-                <a:pos x="connsiteX0" y="connsiteY0"/>
-              </a:cxn>
-              <a:cxn ang="0">
-                <a:pos x="connsiteX1" y="connsiteY1"/>
-              </a:cxn>
-              <a:cxn ang="0">
-                <a:pos x="connsiteX2" y="connsiteY2"/>
-              </a:cxn>
-              <a:cxn ang="0">
-                <a:pos x="connsiteX3" y="connsiteY3"/>
-              </a:cxn>
-              <a:cxn ang="0">
-                <a:pos x="connsiteX4" y="connsiteY4"/>
-              </a:cxn>
-              <a:cxn ang="0">
-                <a:pos x="connsiteX5" y="connsiteY5"/>
-              </a:cxn>
-              <a:cxn ang="0">
-                <a:pos x="connsiteX6" y="connsiteY6"/>
-              </a:cxn>
-            </a:cxnLst>
-            <a:rect l="l" t="t" r="r" b="b"/>
-            <a:pathLst>
-              <a:path w="304357" h="791169">
-                <a:moveTo>
-                  <a:pt x="152179" y="791169"/>
-                </a:moveTo>
-                <a:cubicBezTo>
-                  <a:pt x="236198" y="791169"/>
-                  <a:pt x="304358" y="723072"/>
-                  <a:pt x="304358" y="639052"/>
-                </a:cubicBezTo>
-                <a:lnTo>
-                  <a:pt x="304358" y="152108"/>
-                </a:lnTo>
-                <a:cubicBezTo>
-                  <a:pt x="304367" y="68098"/>
-                  <a:pt x="236198" y="0"/>
-                  <a:pt x="152179" y="0"/>
-                </a:cubicBezTo>
-                <a:cubicBezTo>
-                  <a:pt x="68160" y="0"/>
-                  <a:pt x="0" y="68098"/>
-                  <a:pt x="0" y="152117"/>
-                </a:cubicBezTo>
-                <a:lnTo>
-                  <a:pt x="0" y="639061"/>
-                </a:lnTo>
-                <a:cubicBezTo>
-                  <a:pt x="0" y="723072"/>
-                  <a:pt x="68169" y="791169"/>
-                  <a:pt x="152179" y="791169"/>
-                </a:cubicBezTo>
-                <a:close/>
-              </a:path>
-            </a:pathLst>
-          </a:custGeom>
-          <a:solidFill>
-            <a:schemeClr val="bg1">
-              <a:lumMod val="50000"/>
-            </a:schemeClr>
-          </a:solidFill>
-          <a:ln w="8855" cap="flat">
-            <a:noFill/>
-            <a:prstDash val="solid"/>
-            <a:miter/>
-          </a:ln>
-        </p:spPr>
-        <p:txBody>
-          <a:bodyPr rtlCol="0" anchor="ctr"/>
-          <a:lstStyle/>
-          <a:p>
-            <a:endParaRPr lang="ja-JP" altLang="en-US"/>
-          </a:p>
-        </p:txBody>
-      </p:sp>
-      <p:sp>
-        <p:nvSpPr>
-          <p:cNvPr id="12" name="フリーフォーム: 図形 11">
-            <a:extLst>
-              <a:ext uri="{FF2B5EF4-FFF2-40B4-BE49-F238E27FC236}">
-                <a16:creationId xmlns:a16="http://schemas.microsoft.com/office/drawing/2014/main" id="{D2FA2112-B8D2-8CFC-5521-14EF39BEEF39}"/>
-              </a:ext>
-            </a:extLst>
-          </p:cNvPr>
-          <p:cNvSpPr/>
-          <p:nvPr/>
-        </p:nvSpPr>
-        <p:spPr>
-          <a:xfrm>
-            <a:off x="5787885" y="958418"/>
-            <a:ext cx="304366" cy="791169"/>
-          </a:xfrm>
-          <a:custGeom>
-            <a:avLst/>
-            <a:gdLst>
-              <a:gd name="connsiteX0" fmla="*/ 152179 w 304366"/>
-              <a:gd name="connsiteY0" fmla="*/ 791169 h 791169"/>
-              <a:gd name="connsiteX1" fmla="*/ 304367 w 304366"/>
-              <a:gd name="connsiteY1" fmla="*/ 639052 h 791169"/>
-              <a:gd name="connsiteX2" fmla="*/ 304367 w 304366"/>
-              <a:gd name="connsiteY2" fmla="*/ 152108 h 791169"/>
-              <a:gd name="connsiteX3" fmla="*/ 152179 w 304366"/>
-              <a:gd name="connsiteY3" fmla="*/ 0 h 791169"/>
-              <a:gd name="connsiteX4" fmla="*/ 0 w 304366"/>
-              <a:gd name="connsiteY4" fmla="*/ 152117 h 791169"/>
-              <a:gd name="connsiteX5" fmla="*/ 0 w 304366"/>
-              <a:gd name="connsiteY5" fmla="*/ 639061 h 791169"/>
-              <a:gd name="connsiteX6" fmla="*/ 152179 w 304366"/>
-              <a:gd name="connsiteY6" fmla="*/ 791169 h 791169"/>
-            </a:gdLst>
-            <a:ahLst/>
-            <a:cxnLst>
-              <a:cxn ang="0">
-                <a:pos x="connsiteX0" y="connsiteY0"/>
-              </a:cxn>
-              <a:cxn ang="0">
-                <a:pos x="connsiteX1" y="connsiteY1"/>
-              </a:cxn>
-              <a:cxn ang="0">
-                <a:pos x="connsiteX2" y="connsiteY2"/>
-              </a:cxn>
-              <a:cxn ang="0">
-                <a:pos x="connsiteX3" y="connsiteY3"/>
-              </a:cxn>
-              <a:cxn ang="0">
-                <a:pos x="connsiteX4" y="connsiteY4"/>
-              </a:cxn>
-              <a:cxn ang="0">
-                <a:pos x="connsiteX5" y="connsiteY5"/>
-              </a:cxn>
-              <a:cxn ang="0">
-                <a:pos x="connsiteX6" y="connsiteY6"/>
-              </a:cxn>
-            </a:cxnLst>
-            <a:rect l="l" t="t" r="r" b="b"/>
-            <a:pathLst>
-              <a:path w="304366" h="791169">
-                <a:moveTo>
-                  <a:pt x="152179" y="791169"/>
-                </a:moveTo>
-                <a:cubicBezTo>
-                  <a:pt x="236198" y="791169"/>
-                  <a:pt x="304367" y="723072"/>
-                  <a:pt x="304367" y="639052"/>
-                </a:cubicBezTo>
-                <a:lnTo>
-                  <a:pt x="304367" y="152108"/>
-                </a:lnTo>
-                <a:cubicBezTo>
-                  <a:pt x="304367" y="68098"/>
-                  <a:pt x="236198" y="0"/>
-                  <a:pt x="152179" y="0"/>
-                </a:cubicBezTo>
-                <a:cubicBezTo>
-                  <a:pt x="68169" y="0"/>
-                  <a:pt x="0" y="68098"/>
-                  <a:pt x="0" y="152117"/>
-                </a:cubicBezTo>
-                <a:lnTo>
-                  <a:pt x="0" y="639061"/>
-                </a:lnTo>
-                <a:cubicBezTo>
-                  <a:pt x="0" y="723072"/>
-                  <a:pt x="68169" y="791169"/>
-                  <a:pt x="152179" y="791169"/>
-                </a:cubicBezTo>
-                <a:close/>
-              </a:path>
-            </a:pathLst>
-          </a:custGeom>
-          <a:solidFill>
-            <a:schemeClr val="bg1">
-              <a:lumMod val="50000"/>
-            </a:schemeClr>
-          </a:solidFill>
-          <a:ln w="8855" cap="flat">
-            <a:noFill/>
-            <a:prstDash val="solid"/>
-            <a:miter/>
-          </a:ln>
-        </p:spPr>
-        <p:txBody>
-          <a:bodyPr rtlCol="0" anchor="ctr"/>
-          <a:lstStyle/>
-          <a:p>
-            <a:endParaRPr lang="ja-JP" altLang="en-US"/>
-          </a:p>
-        </p:txBody>
-      </p:sp>
-      <p:sp>
-        <p:nvSpPr>
-          <p:cNvPr id="14" name="フリーフォーム: 図形 13">
-            <a:extLst>
-              <a:ext uri="{FF2B5EF4-FFF2-40B4-BE49-F238E27FC236}">
-                <a16:creationId xmlns:a16="http://schemas.microsoft.com/office/drawing/2014/main" id="{34E5603E-29A3-7481-ADE3-5A73EA5EEF89}"/>
-              </a:ext>
-            </a:extLst>
-          </p:cNvPr>
-          <p:cNvSpPr/>
-          <p:nvPr/>
-        </p:nvSpPr>
-        <p:spPr>
-          <a:xfrm>
-            <a:off x="7005077" y="958418"/>
-            <a:ext cx="304357" cy="791169"/>
-          </a:xfrm>
-          <a:custGeom>
-            <a:avLst/>
-            <a:gdLst>
-              <a:gd name="connsiteX0" fmla="*/ 152179 w 304357"/>
-              <a:gd name="connsiteY0" fmla="*/ 791169 h 791169"/>
-              <a:gd name="connsiteX1" fmla="*/ 304358 w 304357"/>
-              <a:gd name="connsiteY1" fmla="*/ 639052 h 791169"/>
-              <a:gd name="connsiteX2" fmla="*/ 304358 w 304357"/>
-              <a:gd name="connsiteY2" fmla="*/ 152108 h 791169"/>
-              <a:gd name="connsiteX3" fmla="*/ 152179 w 304357"/>
-              <a:gd name="connsiteY3" fmla="*/ 0 h 791169"/>
-              <a:gd name="connsiteX4" fmla="*/ 0 w 304357"/>
-              <a:gd name="connsiteY4" fmla="*/ 152117 h 791169"/>
-              <a:gd name="connsiteX5" fmla="*/ 0 w 304357"/>
-              <a:gd name="connsiteY5" fmla="*/ 639061 h 791169"/>
-              <a:gd name="connsiteX6" fmla="*/ 152179 w 304357"/>
-              <a:gd name="connsiteY6" fmla="*/ 791169 h 791169"/>
-            </a:gdLst>
-            <a:ahLst/>
-            <a:cxnLst>
-              <a:cxn ang="0">
-                <a:pos x="connsiteX0" y="connsiteY0"/>
-              </a:cxn>
-              <a:cxn ang="0">
-                <a:pos x="connsiteX1" y="connsiteY1"/>
-              </a:cxn>
-              <a:cxn ang="0">
-                <a:pos x="connsiteX2" y="connsiteY2"/>
-              </a:cxn>
-              <a:cxn ang="0">
-                <a:pos x="connsiteX3" y="connsiteY3"/>
-              </a:cxn>
-              <a:cxn ang="0">
-                <a:pos x="connsiteX4" y="connsiteY4"/>
-              </a:cxn>
-              <a:cxn ang="0">
-                <a:pos x="connsiteX5" y="connsiteY5"/>
-              </a:cxn>
-              <a:cxn ang="0">
-                <a:pos x="connsiteX6" y="connsiteY6"/>
-              </a:cxn>
-            </a:cxnLst>
-            <a:rect l="l" t="t" r="r" b="b"/>
-            <a:pathLst>
-              <a:path w="304357" h="791169">
-                <a:moveTo>
-                  <a:pt x="152179" y="791169"/>
-                </a:moveTo>
-                <a:cubicBezTo>
-                  <a:pt x="236189" y="791169"/>
-                  <a:pt x="304358" y="723072"/>
-                  <a:pt x="304358" y="639052"/>
-                </a:cubicBezTo>
-                <a:lnTo>
-                  <a:pt x="304358" y="152108"/>
-                </a:lnTo>
-                <a:cubicBezTo>
-                  <a:pt x="304358" y="68098"/>
-                  <a:pt x="236189" y="0"/>
-                  <a:pt x="152179" y="0"/>
-                </a:cubicBezTo>
-                <a:cubicBezTo>
-                  <a:pt x="68169" y="0"/>
-                  <a:pt x="0" y="68098"/>
-                  <a:pt x="0" y="152117"/>
-                </a:cubicBezTo>
-                <a:lnTo>
-                  <a:pt x="0" y="639061"/>
-                </a:lnTo>
-                <a:cubicBezTo>
-                  <a:pt x="0" y="723072"/>
-                  <a:pt x="68169" y="791169"/>
-                  <a:pt x="152179" y="791169"/>
-                </a:cubicBezTo>
-                <a:close/>
-              </a:path>
-            </a:pathLst>
-          </a:custGeom>
-          <a:solidFill>
-            <a:schemeClr val="bg1">
-              <a:lumMod val="50000"/>
-            </a:schemeClr>
-          </a:solidFill>
-          <a:ln w="8855" cap="flat">
-            <a:noFill/>
-            <a:prstDash val="solid"/>
-            <a:miter/>
-          </a:ln>
-        </p:spPr>
-        <p:txBody>
-          <a:bodyPr rtlCol="0" anchor="ctr"/>
-          <a:lstStyle/>
-          <a:p>
-            <a:endParaRPr lang="ja-JP" altLang="en-US"/>
-          </a:p>
-        </p:txBody>
-      </p:sp>
-      <p:sp>
-        <p:nvSpPr>
-          <p:cNvPr id="16" name="フリーフォーム: 図形 15">
-            <a:extLst>
-              <a:ext uri="{FF2B5EF4-FFF2-40B4-BE49-F238E27FC236}">
-                <a16:creationId xmlns:a16="http://schemas.microsoft.com/office/drawing/2014/main" id="{90F5A084-ED80-F3D5-01BE-4598BA149A40}"/>
-              </a:ext>
-            </a:extLst>
-          </p:cNvPr>
-          <p:cNvSpPr/>
-          <p:nvPr/>
-        </p:nvSpPr>
-        <p:spPr>
-          <a:xfrm>
-            <a:off x="3830140" y="2615206"/>
-            <a:ext cx="4219723" cy="2879519"/>
-          </a:xfrm>
-          <a:custGeom>
-            <a:avLst/>
-            <a:gdLst>
-              <a:gd name="connsiteX0" fmla="*/ 0 w 4219723"/>
-              <a:gd name="connsiteY0" fmla="*/ 2284722 h 2879519"/>
-              <a:gd name="connsiteX1" fmla="*/ 594797 w 4219723"/>
-              <a:gd name="connsiteY1" fmla="*/ 2879519 h 2879519"/>
-              <a:gd name="connsiteX2" fmla="*/ 3624927 w 4219723"/>
-              <a:gd name="connsiteY2" fmla="*/ 2879519 h 2879519"/>
-              <a:gd name="connsiteX3" fmla="*/ 4219724 w 4219723"/>
-              <a:gd name="connsiteY3" fmla="*/ 2284722 h 2879519"/>
-              <a:gd name="connsiteX4" fmla="*/ 4219724 w 4219723"/>
-              <a:gd name="connsiteY4" fmla="*/ 0 h 2879519"/>
-              <a:gd name="connsiteX5" fmla="*/ 0 w 4219723"/>
-              <a:gd name="connsiteY5" fmla="*/ 0 h 2879519"/>
-              <a:gd name="connsiteX6" fmla="*/ 0 w 4219723"/>
-              <a:gd name="connsiteY6" fmla="*/ 2284722 h 2879519"/>
-              <a:gd name="connsiteX7" fmla="*/ 2460336 w 4219723"/>
-              <a:gd name="connsiteY7" fmla="*/ 888718 h 2879519"/>
-              <a:gd name="connsiteX8" fmla="*/ 2480005 w 4219723"/>
-              <a:gd name="connsiteY8" fmla="*/ 849034 h 2879519"/>
-              <a:gd name="connsiteX9" fmla="*/ 2686292 w 4219723"/>
-              <a:gd name="connsiteY9" fmla="*/ 699442 h 2879519"/>
-              <a:gd name="connsiteX10" fmla="*/ 2730282 w 4219723"/>
-              <a:gd name="connsiteY10" fmla="*/ 684894 h 2879519"/>
-              <a:gd name="connsiteX11" fmla="*/ 2890869 w 4219723"/>
-              <a:gd name="connsiteY11" fmla="*/ 684894 h 2879519"/>
-              <a:gd name="connsiteX12" fmla="*/ 2926592 w 4219723"/>
-              <a:gd name="connsiteY12" fmla="*/ 720759 h 2879519"/>
-              <a:gd name="connsiteX13" fmla="*/ 2926592 w 4219723"/>
-              <a:gd name="connsiteY13" fmla="*/ 1966835 h 2879519"/>
-              <a:gd name="connsiteX14" fmla="*/ 2890869 w 4219723"/>
-              <a:gd name="connsiteY14" fmla="*/ 2002700 h 2879519"/>
-              <a:gd name="connsiteX15" fmla="*/ 2717098 w 4219723"/>
-              <a:gd name="connsiteY15" fmla="*/ 2002700 h 2879519"/>
-              <a:gd name="connsiteX16" fmla="*/ 2681162 w 4219723"/>
-              <a:gd name="connsiteY16" fmla="*/ 1966835 h 2879519"/>
-              <a:gd name="connsiteX17" fmla="*/ 2681162 w 4219723"/>
-              <a:gd name="connsiteY17" fmla="*/ 984955 h 2879519"/>
-              <a:gd name="connsiteX18" fmla="*/ 2507949 w 4219723"/>
-              <a:gd name="connsiteY18" fmla="*/ 1106611 h 2879519"/>
-              <a:gd name="connsiteX19" fmla="*/ 2487660 w 4219723"/>
-              <a:gd name="connsiteY19" fmla="*/ 1113433 h 2879519"/>
-              <a:gd name="connsiteX20" fmla="*/ 2466414 w 4219723"/>
-              <a:gd name="connsiteY20" fmla="*/ 1102642 h 2879519"/>
-              <a:gd name="connsiteX21" fmla="*/ 2460336 w 4219723"/>
-              <a:gd name="connsiteY21" fmla="*/ 1081334 h 2879519"/>
-              <a:gd name="connsiteX22" fmla="*/ 2460336 w 4219723"/>
-              <a:gd name="connsiteY22" fmla="*/ 888718 h 2879519"/>
-              <a:gd name="connsiteX23" fmla="*/ 1320119 w 4219723"/>
-              <a:gd name="connsiteY23" fmla="*/ 1690200 h 2879519"/>
-              <a:gd name="connsiteX24" fmla="*/ 1487882 w 4219723"/>
-              <a:gd name="connsiteY24" fmla="*/ 1651544 h 2879519"/>
-              <a:gd name="connsiteX25" fmla="*/ 1494368 w 4219723"/>
-              <a:gd name="connsiteY25" fmla="*/ 1651066 h 2879519"/>
-              <a:gd name="connsiteX26" fmla="*/ 1528594 w 4219723"/>
-              <a:gd name="connsiteY26" fmla="*/ 1676405 h 2879519"/>
-              <a:gd name="connsiteX27" fmla="*/ 1706937 w 4219723"/>
-              <a:gd name="connsiteY27" fmla="*/ 1800711 h 2879519"/>
-              <a:gd name="connsiteX28" fmla="*/ 1878723 w 4219723"/>
-              <a:gd name="connsiteY28" fmla="*/ 1626940 h 2879519"/>
-              <a:gd name="connsiteX29" fmla="*/ 1686107 w 4219723"/>
-              <a:gd name="connsiteY29" fmla="*/ 1434395 h 2879519"/>
-              <a:gd name="connsiteX30" fmla="*/ 1631388 w 4219723"/>
-              <a:gd name="connsiteY30" fmla="*/ 1434395 h 2879519"/>
-              <a:gd name="connsiteX31" fmla="*/ 1595593 w 4219723"/>
-              <a:gd name="connsiteY31" fmla="*/ 1398539 h 2879519"/>
-              <a:gd name="connsiteX32" fmla="*/ 1595593 w 4219723"/>
-              <a:gd name="connsiteY32" fmla="*/ 1249434 h 2879519"/>
-              <a:gd name="connsiteX33" fmla="*/ 1631388 w 4219723"/>
-              <a:gd name="connsiteY33" fmla="*/ 1213498 h 2879519"/>
-              <a:gd name="connsiteX34" fmla="*/ 1682341 w 4219723"/>
-              <a:gd name="connsiteY34" fmla="*/ 1213498 h 2879519"/>
-              <a:gd name="connsiteX35" fmla="*/ 1852284 w 4219723"/>
-              <a:gd name="connsiteY35" fmla="*/ 1043555 h 2879519"/>
-              <a:gd name="connsiteX36" fmla="*/ 1697501 w 4219723"/>
-              <a:gd name="connsiteY36" fmla="*/ 886866 h 2879519"/>
-              <a:gd name="connsiteX37" fmla="*/ 1541973 w 4219723"/>
-              <a:gd name="connsiteY37" fmla="*/ 1006671 h 2879519"/>
-              <a:gd name="connsiteX38" fmla="*/ 1508234 w 4219723"/>
-              <a:gd name="connsiteY38" fmla="*/ 1032763 h 2879519"/>
-              <a:gd name="connsiteX39" fmla="*/ 1500242 w 4219723"/>
-              <a:gd name="connsiteY39" fmla="*/ 1032019 h 2879519"/>
-              <a:gd name="connsiteX40" fmla="*/ 1338707 w 4219723"/>
-              <a:gd name="connsiteY40" fmla="*/ 994036 h 2879519"/>
-              <a:gd name="connsiteX41" fmla="*/ 1316637 w 4219723"/>
-              <a:gd name="connsiteY41" fmla="*/ 980232 h 2879519"/>
-              <a:gd name="connsiteX42" fmla="*/ 1310630 w 4219723"/>
-              <a:gd name="connsiteY42" fmla="*/ 952093 h 2879519"/>
-              <a:gd name="connsiteX43" fmla="*/ 1705085 w 4219723"/>
-              <a:gd name="connsiteY43" fmla="*/ 664126 h 2879519"/>
-              <a:gd name="connsiteX44" fmla="*/ 2099620 w 4219723"/>
-              <a:gd name="connsiteY44" fmla="*/ 1036042 h 2879519"/>
-              <a:gd name="connsiteX45" fmla="*/ 1968811 w 4219723"/>
-              <a:gd name="connsiteY45" fmla="*/ 1302018 h 2879519"/>
-              <a:gd name="connsiteX46" fmla="*/ 2126049 w 4219723"/>
-              <a:gd name="connsiteY46" fmla="*/ 1617593 h 2879519"/>
-              <a:gd name="connsiteX47" fmla="*/ 1706937 w 4219723"/>
-              <a:gd name="connsiteY47" fmla="*/ 2023450 h 2879519"/>
-              <a:gd name="connsiteX48" fmla="*/ 1293831 w 4219723"/>
-              <a:gd name="connsiteY48" fmla="*/ 1734589 h 2879519"/>
-              <a:gd name="connsiteX49" fmla="*/ 1320119 w 4219723"/>
-              <a:gd name="connsiteY49" fmla="*/ 1690200 h 2879519"/>
-            </a:gdLst>
-            <a:ahLst/>
-            <a:cxnLst>
-              <a:cxn ang="0">
-                <a:pos x="connsiteX0" y="connsiteY0"/>
-              </a:cxn>
-              <a:cxn ang="0">
-                <a:pos x="connsiteX1" y="connsiteY1"/>
-              </a:cxn>
-              <a:cxn ang="0">
-                <a:pos x="connsiteX2" y="connsiteY2"/>
-              </a:cxn>
-              <a:cxn ang="0">
-                <a:pos x="connsiteX3" y="connsiteY3"/>
-              </a:cxn>
-              <a:cxn ang="0">
-                <a:pos x="connsiteX4" y="connsiteY4"/>
-              </a:cxn>
-              <a:cxn ang="0">
-                <a:pos x="connsiteX5" y="connsiteY5"/>
-              </a:cxn>
-              <a:cxn ang="0">
-                <a:pos x="connsiteX6" y="connsiteY6"/>
-              </a:cxn>
-              <a:cxn ang="0">
-                <a:pos x="connsiteX7" y="connsiteY7"/>
-              </a:cxn>
-              <a:cxn ang="0">
-                <a:pos x="connsiteX8" y="connsiteY8"/>
-              </a:cxn>
-              <a:cxn ang="0">
-                <a:pos x="connsiteX9" y="connsiteY9"/>
-              </a:cxn>
-              <a:cxn ang="0">
-                <a:pos x="connsiteX10" y="connsiteY10"/>
-              </a:cxn>
-              <a:cxn ang="0">
-                <a:pos x="connsiteX11" y="connsiteY11"/>
-              </a:cxn>
-              <a:cxn ang="0">
-                <a:pos x="connsiteX12" y="connsiteY12"/>
-              </a:cxn>
-              <a:cxn ang="0">
-                <a:pos x="connsiteX13" y="connsiteY13"/>
-              </a:cxn>
-              <a:cxn ang="0">
-                <a:pos x="connsiteX14" y="connsiteY14"/>
-              </a:cxn>
-              <a:cxn ang="0">
-                <a:pos x="connsiteX15" y="connsiteY15"/>
-              </a:cxn>
-              <a:cxn ang="0">
-                <a:pos x="connsiteX16" y="connsiteY16"/>
-              </a:cxn>
-              <a:cxn ang="0">
-                <a:pos x="connsiteX17" y="connsiteY17"/>
-              </a:cxn>
-              <a:cxn ang="0">
-                <a:pos x="connsiteX18" y="connsiteY18"/>
-              </a:cxn>
-              <a:cxn ang="0">
-                <a:pos x="connsiteX19" y="connsiteY19"/>
-              </a:cxn>
-              <a:cxn ang="0">
-                <a:pos x="connsiteX20" y="connsiteY20"/>
-              </a:cxn>
-              <a:cxn ang="0">
-                <a:pos x="connsiteX21" y="connsiteY21"/>
-              </a:cxn>
-              <a:cxn ang="0">
-                <a:pos x="connsiteX22" y="connsiteY22"/>
-              </a:cxn>
-              <a:cxn ang="0">
-                <a:pos x="connsiteX23" y="connsiteY23"/>
-              </a:cxn>
-              <a:cxn ang="0">
-                <a:pos x="connsiteX24" y="connsiteY24"/>
-              </a:cxn>
-              <a:cxn ang="0">
-                <a:pos x="connsiteX25" y="connsiteY25"/>
-              </a:cxn>
-              <a:cxn ang="0">
-                <a:pos x="connsiteX26" y="connsiteY26"/>
-              </a:cxn>
-              <a:cxn ang="0">
-                <a:pos x="connsiteX27" y="connsiteY27"/>
-              </a:cxn>
-              <a:cxn ang="0">
-                <a:pos x="connsiteX28" y="connsiteY28"/>
-              </a:cxn>
-              <a:cxn ang="0">
-                <a:pos x="connsiteX29" y="connsiteY29"/>
-              </a:cxn>
-              <a:cxn ang="0">
-                <a:pos x="connsiteX30" y="connsiteY30"/>
-              </a:cxn>
-              <a:cxn ang="0">
-                <a:pos x="connsiteX31" y="connsiteY31"/>
-              </a:cxn>
-              <a:cxn ang="0">
-                <a:pos x="connsiteX32" y="connsiteY32"/>
-              </a:cxn>
-              <a:cxn ang="0">
-                <a:pos x="connsiteX33" y="connsiteY33"/>
-              </a:cxn>
-              <a:cxn ang="0">
-                <a:pos x="connsiteX34" y="connsiteY34"/>
-              </a:cxn>
-              <a:cxn ang="0">
-                <a:pos x="connsiteX35" y="connsiteY35"/>
-              </a:cxn>
-              <a:cxn ang="0">
-                <a:pos x="connsiteX36" y="connsiteY36"/>
-              </a:cxn>
-              <a:cxn ang="0">
-                <a:pos x="connsiteX37" y="connsiteY37"/>
-              </a:cxn>
-              <a:cxn ang="0">
-                <a:pos x="connsiteX38" y="connsiteY38"/>
-              </a:cxn>
-              <a:cxn ang="0">
-                <a:pos x="connsiteX39" y="connsiteY39"/>
-              </a:cxn>
-              <a:cxn ang="0">
-                <a:pos x="connsiteX40" y="connsiteY40"/>
-              </a:cxn>
-              <a:cxn ang="0">
-                <a:pos x="connsiteX41" y="connsiteY41"/>
-              </a:cxn>
-              <a:cxn ang="0">
-                <a:pos x="connsiteX42" y="connsiteY42"/>
-              </a:cxn>
-              <a:cxn ang="0">
-                <a:pos x="connsiteX43" y="connsiteY43"/>
-              </a:cxn>
-              <a:cxn ang="0">
-                <a:pos x="connsiteX44" y="connsiteY44"/>
-              </a:cxn>
-              <a:cxn ang="0">
-                <a:pos x="connsiteX45" y="connsiteY45"/>
-              </a:cxn>
-              <a:cxn ang="0">
-                <a:pos x="connsiteX46" y="connsiteY46"/>
-              </a:cxn>
-              <a:cxn ang="0">
-                <a:pos x="connsiteX47" y="connsiteY47"/>
-              </a:cxn>
-              <a:cxn ang="0">
-                <a:pos x="connsiteX48" y="connsiteY48"/>
-              </a:cxn>
-              <a:cxn ang="0">
-                <a:pos x="connsiteX49" y="connsiteY49"/>
-              </a:cxn>
-            </a:cxnLst>
-            <a:rect l="l" t="t" r="r" b="b"/>
-            <a:pathLst>
-              <a:path w="4219723" h="2879519">
-                <a:moveTo>
-                  <a:pt x="0" y="2284722"/>
-                </a:moveTo>
-                <a:cubicBezTo>
-                  <a:pt x="0" y="2613197"/>
-                  <a:pt x="266251" y="2879519"/>
-                  <a:pt x="594797" y="2879519"/>
-                </a:cubicBezTo>
-                <a:lnTo>
-                  <a:pt x="3624927" y="2879519"/>
-                </a:lnTo>
-                <a:cubicBezTo>
-                  <a:pt x="3953330" y="2879519"/>
-                  <a:pt x="4219724" y="2613206"/>
-                  <a:pt x="4219724" y="2284722"/>
-                </a:cubicBezTo>
-                <a:lnTo>
-                  <a:pt x="4219724" y="0"/>
-                </a:lnTo>
-                <a:lnTo>
-                  <a:pt x="0" y="0"/>
-                </a:lnTo>
-                <a:lnTo>
-                  <a:pt x="0" y="2284722"/>
-                </a:lnTo>
-                <a:close/>
-                <a:moveTo>
-                  <a:pt x="2460336" y="888718"/>
-                </a:moveTo>
-                <a:cubicBezTo>
-                  <a:pt x="2460336" y="872327"/>
-                  <a:pt x="2466556" y="859684"/>
-                  <a:pt x="2480005" y="849034"/>
-                </a:cubicBezTo>
-                <a:lnTo>
-                  <a:pt x="2686292" y="699442"/>
-                </a:lnTo>
-                <a:cubicBezTo>
-                  <a:pt x="2698926" y="689342"/>
-                  <a:pt x="2712252" y="684894"/>
-                  <a:pt x="2730282" y="684894"/>
-                </a:cubicBezTo>
-                <a:lnTo>
-                  <a:pt x="2890869" y="684894"/>
-                </a:lnTo>
-                <a:cubicBezTo>
-                  <a:pt x="2911566" y="684894"/>
-                  <a:pt x="2926592" y="699920"/>
-                  <a:pt x="2926592" y="720759"/>
-                </a:cubicBezTo>
-                <a:lnTo>
-                  <a:pt x="2926592" y="1966835"/>
-                </a:lnTo>
-                <a:cubicBezTo>
-                  <a:pt x="2926592" y="1987674"/>
-                  <a:pt x="2911566" y="2002700"/>
-                  <a:pt x="2890869" y="2002700"/>
-                </a:cubicBezTo>
-                <a:lnTo>
-                  <a:pt x="2717098" y="2002700"/>
-                </a:lnTo>
-                <a:cubicBezTo>
-                  <a:pt x="2696259" y="2002700"/>
-                  <a:pt x="2681162" y="1987674"/>
-                  <a:pt x="2681162" y="1966835"/>
-                </a:cubicBezTo>
-                <a:lnTo>
-                  <a:pt x="2681162" y="984955"/>
-                </a:lnTo>
-                <a:lnTo>
-                  <a:pt x="2507949" y="1106611"/>
-                </a:lnTo>
-                <a:cubicBezTo>
-                  <a:pt x="2500844" y="1111183"/>
-                  <a:pt x="2494145" y="1113433"/>
-                  <a:pt x="2487660" y="1113433"/>
-                </a:cubicBezTo>
-                <a:cubicBezTo>
-                  <a:pt x="2479119" y="1113433"/>
-                  <a:pt x="2471340" y="1109473"/>
-                  <a:pt x="2466414" y="1102642"/>
-                </a:cubicBezTo>
-                <a:cubicBezTo>
-                  <a:pt x="2462382" y="1097042"/>
-                  <a:pt x="2460336" y="1089866"/>
-                  <a:pt x="2460336" y="1081334"/>
-                </a:cubicBezTo>
-                <a:lnTo>
-                  <a:pt x="2460336" y="888718"/>
-                </a:lnTo>
-                <a:close/>
-                <a:moveTo>
-                  <a:pt x="1320119" y="1690200"/>
-                </a:moveTo>
-                <a:lnTo>
-                  <a:pt x="1487882" y="1651544"/>
-                </a:lnTo>
-                <a:lnTo>
-                  <a:pt x="1494368" y="1651066"/>
-                </a:lnTo>
-                <a:cubicBezTo>
-                  <a:pt x="1510219" y="1651066"/>
-                  <a:pt x="1523331" y="1660758"/>
-                  <a:pt x="1528594" y="1676405"/>
-                </a:cubicBezTo>
-                <a:cubicBezTo>
-                  <a:pt x="1544719" y="1722645"/>
-                  <a:pt x="1589595" y="1800711"/>
-                  <a:pt x="1706937" y="1800711"/>
-                </a:cubicBezTo>
-                <a:cubicBezTo>
-                  <a:pt x="1811307" y="1800711"/>
-                  <a:pt x="1878723" y="1732471"/>
-                  <a:pt x="1878723" y="1626940"/>
-                </a:cubicBezTo>
-                <a:cubicBezTo>
-                  <a:pt x="1878723" y="1508163"/>
-                  <a:pt x="1804884" y="1434395"/>
-                  <a:pt x="1686107" y="1434395"/>
-                </a:cubicBezTo>
-                <a:lnTo>
-                  <a:pt x="1631388" y="1434395"/>
-                </a:lnTo>
-                <a:cubicBezTo>
-                  <a:pt x="1610558" y="1434395"/>
-                  <a:pt x="1595593" y="1419297"/>
-                  <a:pt x="1595593" y="1398539"/>
-                </a:cubicBezTo>
-                <a:lnTo>
-                  <a:pt x="1595593" y="1249434"/>
-                </a:lnTo>
-                <a:cubicBezTo>
-                  <a:pt x="1595593" y="1228533"/>
-                  <a:pt x="1610558" y="1213498"/>
-                  <a:pt x="1631388" y="1213498"/>
-                </a:cubicBezTo>
-                <a:lnTo>
-                  <a:pt x="1682341" y="1213498"/>
-                </a:lnTo>
-                <a:cubicBezTo>
-                  <a:pt x="1785551" y="1213498"/>
-                  <a:pt x="1852284" y="1146764"/>
-                  <a:pt x="1852284" y="1043555"/>
-                </a:cubicBezTo>
-                <a:cubicBezTo>
-                  <a:pt x="1852284" y="946981"/>
-                  <a:pt x="1793002" y="886866"/>
-                  <a:pt x="1697501" y="886866"/>
-                </a:cubicBezTo>
-                <a:cubicBezTo>
-                  <a:pt x="1617105" y="886866"/>
-                  <a:pt x="1564787" y="927232"/>
-                  <a:pt x="1541973" y="1006671"/>
-                </a:cubicBezTo>
-                <a:cubicBezTo>
-                  <a:pt x="1536444" y="1023540"/>
-                  <a:pt x="1524279" y="1032763"/>
-                  <a:pt x="1508234" y="1032763"/>
-                </a:cubicBezTo>
-                <a:lnTo>
-                  <a:pt x="1500242" y="1032019"/>
-                </a:lnTo>
-                <a:lnTo>
-                  <a:pt x="1338707" y="994036"/>
-                </a:lnTo>
-                <a:cubicBezTo>
-                  <a:pt x="1330166" y="992672"/>
-                  <a:pt x="1321971" y="987684"/>
-                  <a:pt x="1316637" y="980232"/>
-                </a:cubicBezTo>
-                <a:cubicBezTo>
-                  <a:pt x="1311037" y="972453"/>
-                  <a:pt x="1308929" y="962415"/>
-                  <a:pt x="1310630" y="952093"/>
-                </a:cubicBezTo>
-                <a:cubicBezTo>
-                  <a:pt x="1342189" y="779758"/>
-                  <a:pt x="1500659" y="664126"/>
-                  <a:pt x="1705085" y="664126"/>
-                </a:cubicBezTo>
-                <a:cubicBezTo>
-                  <a:pt x="1944765" y="664126"/>
-                  <a:pt x="2099620" y="810094"/>
-                  <a:pt x="2099620" y="1036042"/>
-                </a:cubicBezTo>
-                <a:cubicBezTo>
-                  <a:pt x="2099620" y="1144240"/>
-                  <a:pt x="2053370" y="1237748"/>
-                  <a:pt x="1968811" y="1302018"/>
-                </a:cubicBezTo>
-                <a:cubicBezTo>
-                  <a:pt x="2050305" y="1350110"/>
-                  <a:pt x="2126049" y="1467186"/>
-                  <a:pt x="2126049" y="1617593"/>
-                </a:cubicBezTo>
-                <a:cubicBezTo>
-                  <a:pt x="2126049" y="1856519"/>
-                  <a:pt x="1953643" y="2023450"/>
-                  <a:pt x="1706937" y="2023450"/>
-                </a:cubicBezTo>
-                <a:cubicBezTo>
-                  <a:pt x="1492392" y="2023450"/>
-                  <a:pt x="1334056" y="1912727"/>
-                  <a:pt x="1293831" y="1734589"/>
-                </a:cubicBezTo>
-                <a:cubicBezTo>
-                  <a:pt x="1290411" y="1714042"/>
-                  <a:pt x="1301070" y="1696491"/>
-                  <a:pt x="1320119" y="1690200"/>
-                </a:cubicBezTo>
-                <a:close/>
-              </a:path>
-            </a:pathLst>
-          </a:custGeom>
-          <a:solidFill>
-            <a:schemeClr val="bg1">
-              <a:lumMod val="50000"/>
-            </a:schemeClr>
-          </a:solidFill>
-          <a:ln w="8855" cap="flat">
-            <a:noFill/>
-            <a:prstDash val="solid"/>
-            <a:miter/>
-          </a:ln>
-        </p:spPr>
-        <p:txBody>
-          <a:bodyPr rtlCol="0" anchor="ctr"/>
-          <a:lstStyle/>
-          <a:p>
-            <a:endParaRPr lang="ja-JP" altLang="en-US" dirty="0"/>
-          </a:p>
-        </p:txBody>
-      </p:sp>
-      <p:sp>
-        <p:nvSpPr>
           <p:cNvPr id="25" name="Isosceles Triangle 24">
             <a:extLst>
               <a:ext uri="{FF2B5EF4-FFF2-40B4-BE49-F238E27FC236}">
@@ -5273,66 +4179,12 @@
           </a:p>
         </p:txBody>
       </p:sp>
-      <p:sp>
-        <p:nvSpPr>
-          <p:cNvPr id="18" name="正方形/長方形 17">
+      <p:grpSp>
+        <p:nvGrpSpPr>
+          <p:cNvPr id="2" name="グループ化 1">
             <a:extLst>
               <a:ext uri="{FF2B5EF4-FFF2-40B4-BE49-F238E27FC236}">
-                <a16:creationId xmlns:a16="http://schemas.microsoft.com/office/drawing/2014/main" id="{E34E1E3F-33C4-9728-8F73-5480886F86FB}"/>
-              </a:ext>
-            </a:extLst>
-          </p:cNvPr>
-          <p:cNvSpPr/>
-          <p:nvPr/>
-        </p:nvSpPr>
-        <p:spPr>
-          <a:xfrm>
-            <a:off x="4570701" y="3103568"/>
-            <a:ext cx="2919713" cy="1703876"/>
-          </a:xfrm>
-          <a:prstGeom prst="rect">
-            <a:avLst/>
-          </a:prstGeom>
-          <a:solidFill>
-            <a:schemeClr val="bg1">
-              <a:lumMod val="50000"/>
-            </a:schemeClr>
-          </a:solidFill>
-          <a:ln>
-            <a:noFill/>
-          </a:ln>
-        </p:spPr>
-        <p:style>
-          <a:lnRef idx="2">
-            <a:schemeClr val="accent1">
-              <a:shade val="15000"/>
-            </a:schemeClr>
-          </a:lnRef>
-          <a:fillRef idx="1">
-            <a:schemeClr val="accent1"/>
-          </a:fillRef>
-          <a:effectRef idx="0">
-            <a:schemeClr val="accent1"/>
-          </a:effectRef>
-          <a:fontRef idx="minor">
-            <a:schemeClr val="lt1"/>
-          </a:fontRef>
-        </p:style>
-        <p:txBody>
-          <a:bodyPr rtlCol="0" anchor="ctr"/>
-          <a:lstStyle/>
-          <a:p>
-            <a:pPr algn="ctr"/>
-            <a:endParaRPr kumimoji="1" lang="ja-JP" altLang="en-US"/>
-          </a:p>
-        </p:txBody>
-      </p:sp>
-      <p:grpSp>
-        <p:nvGrpSpPr>
-          <p:cNvPr id="24" name="グラフィックス 21">
-            <a:extLst>
-              <a:ext uri="{FF2B5EF4-FFF2-40B4-BE49-F238E27FC236}">
-                <a16:creationId xmlns:a16="http://schemas.microsoft.com/office/drawing/2014/main" id="{6022DB37-604A-186A-282F-E134BB68A281}"/>
+                <a16:creationId xmlns:a16="http://schemas.microsoft.com/office/drawing/2014/main" id="{F53023D0-4A14-7D35-DA28-5BA1469E6909}"/>
               </a:ext>
             </a:extLst>
           </p:cNvPr>
@@ -5341,21 +4193,21 @@
         </p:nvGrpSpPr>
         <p:grpSpPr>
           <a:xfrm>
-            <a:off x="5004985" y="2868252"/>
-            <a:ext cx="2174532" cy="2174508"/>
-            <a:chOff x="4762861" y="2801095"/>
-            <a:chExt cx="2505477" cy="2505450"/>
+            <a:off x="3380620" y="740418"/>
+            <a:ext cx="4810531" cy="5171417"/>
+            <a:chOff x="3830140" y="958418"/>
+            <a:chExt cx="4219741" cy="4536307"/>
           </a:xfrm>
           <a:solidFill>
-            <a:srgbClr val="FFFFFF"/>
+            <a:schemeClr val="bg2"/>
           </a:solidFill>
         </p:grpSpPr>
         <p:sp>
           <p:nvSpPr>
-            <p:cNvPr id="26" name="フリーフォーム: 図形 25">
+            <p:cNvPr id="16" name="フリーフォーム: 図形 15">
               <a:extLst>
                 <a:ext uri="{FF2B5EF4-FFF2-40B4-BE49-F238E27FC236}">
-                  <a16:creationId xmlns:a16="http://schemas.microsoft.com/office/drawing/2014/main" id="{7DDDFCE0-1888-2787-3E20-085B44004930}"/>
+                  <a16:creationId xmlns:a16="http://schemas.microsoft.com/office/drawing/2014/main" id="{90F5A084-ED80-F3D5-01BE-4598BA149A40}"/>
                 </a:ext>
               </a:extLst>
             </p:cNvPr>
@@ -5364,26 +4216,112 @@
           </p:nvSpPr>
           <p:spPr>
             <a:xfrm>
-              <a:off x="6407626" y="2801095"/>
-              <a:ext cx="860711" cy="860689"/>
+              <a:off x="3830140" y="2615206"/>
+              <a:ext cx="4219723" cy="2879519"/>
             </a:xfrm>
             <a:custGeom>
               <a:avLst/>
               <a:gdLst>
-                <a:gd name="connsiteX0" fmla="*/ 775366 w 860711"/>
-                <a:gd name="connsiteY0" fmla="*/ 272916 h 860689"/>
-                <a:gd name="connsiteX1" fmla="*/ 587729 w 860711"/>
-                <a:gd name="connsiteY1" fmla="*/ 85358 h 860689"/>
-                <a:gd name="connsiteX2" fmla="*/ 175569 w 860711"/>
-                <a:gd name="connsiteY2" fmla="*/ 85358 h 860689"/>
-                <a:gd name="connsiteX3" fmla="*/ 0 w 860711"/>
-                <a:gd name="connsiteY3" fmla="*/ 260927 h 860689"/>
-                <a:gd name="connsiteX4" fmla="*/ 599762 w 860711"/>
-                <a:gd name="connsiteY4" fmla="*/ 860690 h 860689"/>
-                <a:gd name="connsiteX5" fmla="*/ 775371 w 860711"/>
-                <a:gd name="connsiteY5" fmla="*/ 685121 h 860689"/>
-                <a:gd name="connsiteX6" fmla="*/ 775366 w 860711"/>
-                <a:gd name="connsiteY6" fmla="*/ 272916 h 860689"/>
+                <a:gd name="connsiteX0" fmla="*/ 0 w 4219723"/>
+                <a:gd name="connsiteY0" fmla="*/ 2284722 h 2879519"/>
+                <a:gd name="connsiteX1" fmla="*/ 594797 w 4219723"/>
+                <a:gd name="connsiteY1" fmla="*/ 2879519 h 2879519"/>
+                <a:gd name="connsiteX2" fmla="*/ 3624927 w 4219723"/>
+                <a:gd name="connsiteY2" fmla="*/ 2879519 h 2879519"/>
+                <a:gd name="connsiteX3" fmla="*/ 4219724 w 4219723"/>
+                <a:gd name="connsiteY3" fmla="*/ 2284722 h 2879519"/>
+                <a:gd name="connsiteX4" fmla="*/ 4219724 w 4219723"/>
+                <a:gd name="connsiteY4" fmla="*/ 0 h 2879519"/>
+                <a:gd name="connsiteX5" fmla="*/ 0 w 4219723"/>
+                <a:gd name="connsiteY5" fmla="*/ 0 h 2879519"/>
+                <a:gd name="connsiteX6" fmla="*/ 0 w 4219723"/>
+                <a:gd name="connsiteY6" fmla="*/ 2284722 h 2879519"/>
+                <a:gd name="connsiteX7" fmla="*/ 2460336 w 4219723"/>
+                <a:gd name="connsiteY7" fmla="*/ 888718 h 2879519"/>
+                <a:gd name="connsiteX8" fmla="*/ 2480005 w 4219723"/>
+                <a:gd name="connsiteY8" fmla="*/ 849034 h 2879519"/>
+                <a:gd name="connsiteX9" fmla="*/ 2686292 w 4219723"/>
+                <a:gd name="connsiteY9" fmla="*/ 699442 h 2879519"/>
+                <a:gd name="connsiteX10" fmla="*/ 2730282 w 4219723"/>
+                <a:gd name="connsiteY10" fmla="*/ 684894 h 2879519"/>
+                <a:gd name="connsiteX11" fmla="*/ 2890869 w 4219723"/>
+                <a:gd name="connsiteY11" fmla="*/ 684894 h 2879519"/>
+                <a:gd name="connsiteX12" fmla="*/ 2926592 w 4219723"/>
+                <a:gd name="connsiteY12" fmla="*/ 720759 h 2879519"/>
+                <a:gd name="connsiteX13" fmla="*/ 2926592 w 4219723"/>
+                <a:gd name="connsiteY13" fmla="*/ 1966835 h 2879519"/>
+                <a:gd name="connsiteX14" fmla="*/ 2890869 w 4219723"/>
+                <a:gd name="connsiteY14" fmla="*/ 2002700 h 2879519"/>
+                <a:gd name="connsiteX15" fmla="*/ 2717098 w 4219723"/>
+                <a:gd name="connsiteY15" fmla="*/ 2002700 h 2879519"/>
+                <a:gd name="connsiteX16" fmla="*/ 2681162 w 4219723"/>
+                <a:gd name="connsiteY16" fmla="*/ 1966835 h 2879519"/>
+                <a:gd name="connsiteX17" fmla="*/ 2681162 w 4219723"/>
+                <a:gd name="connsiteY17" fmla="*/ 984955 h 2879519"/>
+                <a:gd name="connsiteX18" fmla="*/ 2507949 w 4219723"/>
+                <a:gd name="connsiteY18" fmla="*/ 1106611 h 2879519"/>
+                <a:gd name="connsiteX19" fmla="*/ 2487660 w 4219723"/>
+                <a:gd name="connsiteY19" fmla="*/ 1113433 h 2879519"/>
+                <a:gd name="connsiteX20" fmla="*/ 2466414 w 4219723"/>
+                <a:gd name="connsiteY20" fmla="*/ 1102642 h 2879519"/>
+                <a:gd name="connsiteX21" fmla="*/ 2460336 w 4219723"/>
+                <a:gd name="connsiteY21" fmla="*/ 1081334 h 2879519"/>
+                <a:gd name="connsiteX22" fmla="*/ 2460336 w 4219723"/>
+                <a:gd name="connsiteY22" fmla="*/ 888718 h 2879519"/>
+                <a:gd name="connsiteX23" fmla="*/ 1320119 w 4219723"/>
+                <a:gd name="connsiteY23" fmla="*/ 1690200 h 2879519"/>
+                <a:gd name="connsiteX24" fmla="*/ 1487882 w 4219723"/>
+                <a:gd name="connsiteY24" fmla="*/ 1651544 h 2879519"/>
+                <a:gd name="connsiteX25" fmla="*/ 1494368 w 4219723"/>
+                <a:gd name="connsiteY25" fmla="*/ 1651066 h 2879519"/>
+                <a:gd name="connsiteX26" fmla="*/ 1528594 w 4219723"/>
+                <a:gd name="connsiteY26" fmla="*/ 1676405 h 2879519"/>
+                <a:gd name="connsiteX27" fmla="*/ 1706937 w 4219723"/>
+                <a:gd name="connsiteY27" fmla="*/ 1800711 h 2879519"/>
+                <a:gd name="connsiteX28" fmla="*/ 1878723 w 4219723"/>
+                <a:gd name="connsiteY28" fmla="*/ 1626940 h 2879519"/>
+                <a:gd name="connsiteX29" fmla="*/ 1686107 w 4219723"/>
+                <a:gd name="connsiteY29" fmla="*/ 1434395 h 2879519"/>
+                <a:gd name="connsiteX30" fmla="*/ 1631388 w 4219723"/>
+                <a:gd name="connsiteY30" fmla="*/ 1434395 h 2879519"/>
+                <a:gd name="connsiteX31" fmla="*/ 1595593 w 4219723"/>
+                <a:gd name="connsiteY31" fmla="*/ 1398539 h 2879519"/>
+                <a:gd name="connsiteX32" fmla="*/ 1595593 w 4219723"/>
+                <a:gd name="connsiteY32" fmla="*/ 1249434 h 2879519"/>
+                <a:gd name="connsiteX33" fmla="*/ 1631388 w 4219723"/>
+                <a:gd name="connsiteY33" fmla="*/ 1213498 h 2879519"/>
+                <a:gd name="connsiteX34" fmla="*/ 1682341 w 4219723"/>
+                <a:gd name="connsiteY34" fmla="*/ 1213498 h 2879519"/>
+                <a:gd name="connsiteX35" fmla="*/ 1852284 w 4219723"/>
+                <a:gd name="connsiteY35" fmla="*/ 1043555 h 2879519"/>
+                <a:gd name="connsiteX36" fmla="*/ 1697501 w 4219723"/>
+                <a:gd name="connsiteY36" fmla="*/ 886866 h 2879519"/>
+                <a:gd name="connsiteX37" fmla="*/ 1541973 w 4219723"/>
+                <a:gd name="connsiteY37" fmla="*/ 1006671 h 2879519"/>
+                <a:gd name="connsiteX38" fmla="*/ 1508234 w 4219723"/>
+                <a:gd name="connsiteY38" fmla="*/ 1032763 h 2879519"/>
+                <a:gd name="connsiteX39" fmla="*/ 1500242 w 4219723"/>
+                <a:gd name="connsiteY39" fmla="*/ 1032019 h 2879519"/>
+                <a:gd name="connsiteX40" fmla="*/ 1338707 w 4219723"/>
+                <a:gd name="connsiteY40" fmla="*/ 994036 h 2879519"/>
+                <a:gd name="connsiteX41" fmla="*/ 1316637 w 4219723"/>
+                <a:gd name="connsiteY41" fmla="*/ 980232 h 2879519"/>
+                <a:gd name="connsiteX42" fmla="*/ 1310630 w 4219723"/>
+                <a:gd name="connsiteY42" fmla="*/ 952093 h 2879519"/>
+                <a:gd name="connsiteX43" fmla="*/ 1705085 w 4219723"/>
+                <a:gd name="connsiteY43" fmla="*/ 664126 h 2879519"/>
+                <a:gd name="connsiteX44" fmla="*/ 2099620 w 4219723"/>
+                <a:gd name="connsiteY44" fmla="*/ 1036042 h 2879519"/>
+                <a:gd name="connsiteX45" fmla="*/ 1968811 w 4219723"/>
+                <a:gd name="connsiteY45" fmla="*/ 1302018 h 2879519"/>
+                <a:gd name="connsiteX46" fmla="*/ 2126049 w 4219723"/>
+                <a:gd name="connsiteY46" fmla="*/ 1617593 h 2879519"/>
+                <a:gd name="connsiteX47" fmla="*/ 1706937 w 4219723"/>
+                <a:gd name="connsiteY47" fmla="*/ 2023450 h 2879519"/>
+                <a:gd name="connsiteX48" fmla="*/ 1293831 w 4219723"/>
+                <a:gd name="connsiteY48" fmla="*/ 1734589 h 2879519"/>
+                <a:gd name="connsiteX49" fmla="*/ 1320119 w 4219723"/>
+                <a:gd name="connsiteY49" fmla="*/ 1690200 h 2879519"/>
               </a:gdLst>
               <a:ahLst/>
               <a:cxnLst>
@@ -5408,43 +4346,593 @@
                 <a:cxn ang="0">
                   <a:pos x="connsiteX6" y="connsiteY6"/>
                 </a:cxn>
+                <a:cxn ang="0">
+                  <a:pos x="connsiteX7" y="connsiteY7"/>
+                </a:cxn>
+                <a:cxn ang="0">
+                  <a:pos x="connsiteX8" y="connsiteY8"/>
+                </a:cxn>
+                <a:cxn ang="0">
+                  <a:pos x="connsiteX9" y="connsiteY9"/>
+                </a:cxn>
+                <a:cxn ang="0">
+                  <a:pos x="connsiteX10" y="connsiteY10"/>
+                </a:cxn>
+                <a:cxn ang="0">
+                  <a:pos x="connsiteX11" y="connsiteY11"/>
+                </a:cxn>
+                <a:cxn ang="0">
+                  <a:pos x="connsiteX12" y="connsiteY12"/>
+                </a:cxn>
+                <a:cxn ang="0">
+                  <a:pos x="connsiteX13" y="connsiteY13"/>
+                </a:cxn>
+                <a:cxn ang="0">
+                  <a:pos x="connsiteX14" y="connsiteY14"/>
+                </a:cxn>
+                <a:cxn ang="0">
+                  <a:pos x="connsiteX15" y="connsiteY15"/>
+                </a:cxn>
+                <a:cxn ang="0">
+                  <a:pos x="connsiteX16" y="connsiteY16"/>
+                </a:cxn>
+                <a:cxn ang="0">
+                  <a:pos x="connsiteX17" y="connsiteY17"/>
+                </a:cxn>
+                <a:cxn ang="0">
+                  <a:pos x="connsiteX18" y="connsiteY18"/>
+                </a:cxn>
+                <a:cxn ang="0">
+                  <a:pos x="connsiteX19" y="connsiteY19"/>
+                </a:cxn>
+                <a:cxn ang="0">
+                  <a:pos x="connsiteX20" y="connsiteY20"/>
+                </a:cxn>
+                <a:cxn ang="0">
+                  <a:pos x="connsiteX21" y="connsiteY21"/>
+                </a:cxn>
+                <a:cxn ang="0">
+                  <a:pos x="connsiteX22" y="connsiteY22"/>
+                </a:cxn>
+                <a:cxn ang="0">
+                  <a:pos x="connsiteX23" y="connsiteY23"/>
+                </a:cxn>
+                <a:cxn ang="0">
+                  <a:pos x="connsiteX24" y="connsiteY24"/>
+                </a:cxn>
+                <a:cxn ang="0">
+                  <a:pos x="connsiteX25" y="connsiteY25"/>
+                </a:cxn>
+                <a:cxn ang="0">
+                  <a:pos x="connsiteX26" y="connsiteY26"/>
+                </a:cxn>
+                <a:cxn ang="0">
+                  <a:pos x="connsiteX27" y="connsiteY27"/>
+                </a:cxn>
+                <a:cxn ang="0">
+                  <a:pos x="connsiteX28" y="connsiteY28"/>
+                </a:cxn>
+                <a:cxn ang="0">
+                  <a:pos x="connsiteX29" y="connsiteY29"/>
+                </a:cxn>
+                <a:cxn ang="0">
+                  <a:pos x="connsiteX30" y="connsiteY30"/>
+                </a:cxn>
+                <a:cxn ang="0">
+                  <a:pos x="connsiteX31" y="connsiteY31"/>
+                </a:cxn>
+                <a:cxn ang="0">
+                  <a:pos x="connsiteX32" y="connsiteY32"/>
+                </a:cxn>
+                <a:cxn ang="0">
+                  <a:pos x="connsiteX33" y="connsiteY33"/>
+                </a:cxn>
+                <a:cxn ang="0">
+                  <a:pos x="connsiteX34" y="connsiteY34"/>
+                </a:cxn>
+                <a:cxn ang="0">
+                  <a:pos x="connsiteX35" y="connsiteY35"/>
+                </a:cxn>
+                <a:cxn ang="0">
+                  <a:pos x="connsiteX36" y="connsiteY36"/>
+                </a:cxn>
+                <a:cxn ang="0">
+                  <a:pos x="connsiteX37" y="connsiteY37"/>
+                </a:cxn>
+                <a:cxn ang="0">
+                  <a:pos x="connsiteX38" y="connsiteY38"/>
+                </a:cxn>
+                <a:cxn ang="0">
+                  <a:pos x="connsiteX39" y="connsiteY39"/>
+                </a:cxn>
+                <a:cxn ang="0">
+                  <a:pos x="connsiteX40" y="connsiteY40"/>
+                </a:cxn>
+                <a:cxn ang="0">
+                  <a:pos x="connsiteX41" y="connsiteY41"/>
+                </a:cxn>
+                <a:cxn ang="0">
+                  <a:pos x="connsiteX42" y="connsiteY42"/>
+                </a:cxn>
+                <a:cxn ang="0">
+                  <a:pos x="connsiteX43" y="connsiteY43"/>
+                </a:cxn>
+                <a:cxn ang="0">
+                  <a:pos x="connsiteX44" y="connsiteY44"/>
+                </a:cxn>
+                <a:cxn ang="0">
+                  <a:pos x="connsiteX45" y="connsiteY45"/>
+                </a:cxn>
+                <a:cxn ang="0">
+                  <a:pos x="connsiteX46" y="connsiteY46"/>
+                </a:cxn>
+                <a:cxn ang="0">
+                  <a:pos x="connsiteX47" y="connsiteY47"/>
+                </a:cxn>
+                <a:cxn ang="0">
+                  <a:pos x="connsiteX48" y="connsiteY48"/>
+                </a:cxn>
+                <a:cxn ang="0">
+                  <a:pos x="connsiteX49" y="connsiteY49"/>
+                </a:cxn>
               </a:cxnLst>
               <a:rect l="l" t="t" r="r" b="b"/>
               <a:pathLst>
-                <a:path w="860711" h="860689">
+                <a:path w="4219723" h="2879519">
                   <a:moveTo>
-                    <a:pt x="775366" y="272916"/>
+                    <a:pt x="0" y="2284722"/>
+                  </a:moveTo>
+                  <a:cubicBezTo>
+                    <a:pt x="0" y="2613197"/>
+                    <a:pt x="266251" y="2879519"/>
+                    <a:pt x="594797" y="2879519"/>
+                  </a:cubicBezTo>
+                  <a:lnTo>
+                    <a:pt x="3624927" y="2879519"/>
+                  </a:lnTo>
+                  <a:cubicBezTo>
+                    <a:pt x="3953330" y="2879519"/>
+                    <a:pt x="4219724" y="2613206"/>
+                    <a:pt x="4219724" y="2284722"/>
+                  </a:cubicBezTo>
+                  <a:lnTo>
+                    <a:pt x="4219724" y="0"/>
+                  </a:lnTo>
+                  <a:lnTo>
+                    <a:pt x="0" y="0"/>
+                  </a:lnTo>
+                  <a:lnTo>
+                    <a:pt x="0" y="2284722"/>
+                  </a:lnTo>
+                  <a:close/>
+                  <a:moveTo>
+                    <a:pt x="2460336" y="888718"/>
+                  </a:moveTo>
+                  <a:cubicBezTo>
+                    <a:pt x="2460336" y="872327"/>
+                    <a:pt x="2466556" y="859684"/>
+                    <a:pt x="2480005" y="849034"/>
+                  </a:cubicBezTo>
+                  <a:lnTo>
+                    <a:pt x="2686292" y="699442"/>
+                  </a:lnTo>
+                  <a:cubicBezTo>
+                    <a:pt x="2698926" y="689342"/>
+                    <a:pt x="2712252" y="684894"/>
+                    <a:pt x="2730282" y="684894"/>
+                  </a:cubicBezTo>
+                  <a:lnTo>
+                    <a:pt x="2890869" y="684894"/>
+                  </a:lnTo>
+                  <a:cubicBezTo>
+                    <a:pt x="2911566" y="684894"/>
+                    <a:pt x="2926592" y="699920"/>
+                    <a:pt x="2926592" y="720759"/>
+                  </a:cubicBezTo>
+                  <a:lnTo>
+                    <a:pt x="2926592" y="1966835"/>
+                  </a:lnTo>
+                  <a:cubicBezTo>
+                    <a:pt x="2926592" y="1987674"/>
+                    <a:pt x="2911566" y="2002700"/>
+                    <a:pt x="2890869" y="2002700"/>
+                  </a:cubicBezTo>
+                  <a:lnTo>
+                    <a:pt x="2717098" y="2002700"/>
+                  </a:lnTo>
+                  <a:cubicBezTo>
+                    <a:pt x="2696259" y="2002700"/>
+                    <a:pt x="2681162" y="1987674"/>
+                    <a:pt x="2681162" y="1966835"/>
+                  </a:cubicBezTo>
+                  <a:lnTo>
+                    <a:pt x="2681162" y="984955"/>
+                  </a:lnTo>
+                  <a:lnTo>
+                    <a:pt x="2507949" y="1106611"/>
+                  </a:lnTo>
+                  <a:cubicBezTo>
+                    <a:pt x="2500844" y="1111183"/>
+                    <a:pt x="2494145" y="1113433"/>
+                    <a:pt x="2487660" y="1113433"/>
+                  </a:cubicBezTo>
+                  <a:cubicBezTo>
+                    <a:pt x="2479119" y="1113433"/>
+                    <a:pt x="2471340" y="1109473"/>
+                    <a:pt x="2466414" y="1102642"/>
+                  </a:cubicBezTo>
+                  <a:cubicBezTo>
+                    <a:pt x="2462382" y="1097042"/>
+                    <a:pt x="2460336" y="1089866"/>
+                    <a:pt x="2460336" y="1081334"/>
+                  </a:cubicBezTo>
+                  <a:lnTo>
+                    <a:pt x="2460336" y="888718"/>
+                  </a:lnTo>
+                  <a:close/>
+                  <a:moveTo>
+                    <a:pt x="1320119" y="1690200"/>
                   </a:moveTo>
                   <a:lnTo>
-                    <a:pt x="587729" y="85358"/>
-                  </a:lnTo>
-                  <a:cubicBezTo>
-                    <a:pt x="473941" y="-28475"/>
-                    <a:pt x="289397" y="-28431"/>
-                    <a:pt x="175569" y="85358"/>
-                  </a:cubicBezTo>
-                  <a:lnTo>
-                    <a:pt x="0" y="260927"/>
+                    <a:pt x="1487882" y="1651544"/>
                   </a:lnTo>
                   <a:lnTo>
-                    <a:pt x="599762" y="860690"/>
+                    <a:pt x="1494368" y="1651066"/>
+                  </a:lnTo>
+                  <a:cubicBezTo>
+                    <a:pt x="1510219" y="1651066"/>
+                    <a:pt x="1523331" y="1660758"/>
+                    <a:pt x="1528594" y="1676405"/>
+                  </a:cubicBezTo>
+                  <a:cubicBezTo>
+                    <a:pt x="1544719" y="1722645"/>
+                    <a:pt x="1589595" y="1800711"/>
+                    <a:pt x="1706937" y="1800711"/>
+                  </a:cubicBezTo>
+                  <a:cubicBezTo>
+                    <a:pt x="1811307" y="1800711"/>
+                    <a:pt x="1878723" y="1732471"/>
+                    <a:pt x="1878723" y="1626940"/>
+                  </a:cubicBezTo>
+                  <a:cubicBezTo>
+                    <a:pt x="1878723" y="1508163"/>
+                    <a:pt x="1804884" y="1434395"/>
+                    <a:pt x="1686107" y="1434395"/>
+                  </a:cubicBezTo>
+                  <a:lnTo>
+                    <a:pt x="1631388" y="1434395"/>
+                  </a:lnTo>
+                  <a:cubicBezTo>
+                    <a:pt x="1610558" y="1434395"/>
+                    <a:pt x="1595593" y="1419297"/>
+                    <a:pt x="1595593" y="1398539"/>
+                  </a:cubicBezTo>
+                  <a:lnTo>
+                    <a:pt x="1595593" y="1249434"/>
+                  </a:lnTo>
+                  <a:cubicBezTo>
+                    <a:pt x="1595593" y="1228533"/>
+                    <a:pt x="1610558" y="1213498"/>
+                    <a:pt x="1631388" y="1213498"/>
+                  </a:cubicBezTo>
+                  <a:lnTo>
+                    <a:pt x="1682341" y="1213498"/>
+                  </a:lnTo>
+                  <a:cubicBezTo>
+                    <a:pt x="1785551" y="1213498"/>
+                    <a:pt x="1852284" y="1146764"/>
+                    <a:pt x="1852284" y="1043555"/>
+                  </a:cubicBezTo>
+                  <a:cubicBezTo>
+                    <a:pt x="1852284" y="946981"/>
+                    <a:pt x="1793002" y="886866"/>
+                    <a:pt x="1697501" y="886866"/>
+                  </a:cubicBezTo>
+                  <a:cubicBezTo>
+                    <a:pt x="1617105" y="886866"/>
+                    <a:pt x="1564787" y="927232"/>
+                    <a:pt x="1541973" y="1006671"/>
+                  </a:cubicBezTo>
+                  <a:cubicBezTo>
+                    <a:pt x="1536444" y="1023540"/>
+                    <a:pt x="1524279" y="1032763"/>
+                    <a:pt x="1508234" y="1032763"/>
+                  </a:cubicBezTo>
+                  <a:lnTo>
+                    <a:pt x="1500242" y="1032019"/>
                   </a:lnTo>
                   <a:lnTo>
-                    <a:pt x="775371" y="685121"/>
+                    <a:pt x="1338707" y="994036"/>
                   </a:lnTo>
                   <a:cubicBezTo>
-                    <a:pt x="889160" y="571288"/>
-                    <a:pt x="889160" y="386788"/>
-                    <a:pt x="775366" y="272916"/>
+                    <a:pt x="1330166" y="992672"/>
+                    <a:pt x="1321971" y="987684"/>
+                    <a:pt x="1316637" y="980232"/>
+                  </a:cubicBezTo>
+                  <a:cubicBezTo>
+                    <a:pt x="1311037" y="972453"/>
+                    <a:pt x="1308929" y="962415"/>
+                    <a:pt x="1310630" y="952093"/>
+                  </a:cubicBezTo>
+                  <a:cubicBezTo>
+                    <a:pt x="1342189" y="779758"/>
+                    <a:pt x="1500659" y="664126"/>
+                    <a:pt x="1705085" y="664126"/>
+                  </a:cubicBezTo>
+                  <a:cubicBezTo>
+                    <a:pt x="1944765" y="664126"/>
+                    <a:pt x="2099620" y="810094"/>
+                    <a:pt x="2099620" y="1036042"/>
+                  </a:cubicBezTo>
+                  <a:cubicBezTo>
+                    <a:pt x="2099620" y="1144240"/>
+                    <a:pt x="2053370" y="1237748"/>
+                    <a:pt x="1968811" y="1302018"/>
+                  </a:cubicBezTo>
+                  <a:cubicBezTo>
+                    <a:pt x="2050305" y="1350110"/>
+                    <a:pt x="2126049" y="1467186"/>
+                    <a:pt x="2126049" y="1617593"/>
+                  </a:cubicBezTo>
+                  <a:cubicBezTo>
+                    <a:pt x="2126049" y="1856519"/>
+                    <a:pt x="1953643" y="2023450"/>
+                    <a:pt x="1706937" y="2023450"/>
+                  </a:cubicBezTo>
+                  <a:cubicBezTo>
+                    <a:pt x="1492392" y="2023450"/>
+                    <a:pt x="1334056" y="1912727"/>
+                    <a:pt x="1293831" y="1734589"/>
+                  </a:cubicBezTo>
+                  <a:cubicBezTo>
+                    <a:pt x="1290411" y="1714042"/>
+                    <a:pt x="1301070" y="1696491"/>
+                    <a:pt x="1320119" y="1690200"/>
                   </a:cubicBezTo>
                   <a:close/>
                 </a:path>
               </a:pathLst>
             </a:custGeom>
-            <a:solidFill>
-              <a:srgbClr val="FFFFFF"/>
-            </a:solidFill>
-            <a:ln w="4893" cap="flat">
+            <a:grpFill/>
+            <a:ln w="8855" cap="flat">
+              <a:noFill/>
+              <a:prstDash val="solid"/>
+              <a:miter/>
+            </a:ln>
+          </p:spPr>
+          <p:txBody>
+            <a:bodyPr rtlCol="0" anchor="ctr"/>
+            <a:lstStyle/>
+            <a:p>
+              <a:endParaRPr lang="ja-JP" altLang="en-US" dirty="0"/>
+            </a:p>
+          </p:txBody>
+        </p:sp>
+        <p:sp>
+          <p:nvSpPr>
+            <p:cNvPr id="10" name="フリーフォーム: 図形 9">
+              <a:extLst>
+                <a:ext uri="{FF2B5EF4-FFF2-40B4-BE49-F238E27FC236}">
+                  <a16:creationId xmlns:a16="http://schemas.microsoft.com/office/drawing/2014/main" id="{C89C15E5-37E0-C6DC-C68E-04F9DE1E6BDA}"/>
+                </a:ext>
+              </a:extLst>
+            </p:cNvPr>
+            <p:cNvSpPr/>
+            <p:nvPr/>
+          </p:nvSpPr>
+          <p:spPr>
+            <a:xfrm>
+              <a:off x="3830158" y="1356222"/>
+              <a:ext cx="4219723" cy="1049163"/>
+            </a:xfrm>
+            <a:custGeom>
+              <a:avLst/>
+              <a:gdLst>
+                <a:gd name="connsiteX0" fmla="*/ 3624909 w 4219723"/>
+                <a:gd name="connsiteY0" fmla="*/ 0 h 1049163"/>
+                <a:gd name="connsiteX1" fmla="*/ 3600863 w 4219723"/>
+                <a:gd name="connsiteY1" fmla="*/ 0 h 1049163"/>
+                <a:gd name="connsiteX2" fmla="*/ 3600863 w 4219723"/>
+                <a:gd name="connsiteY2" fmla="*/ 241248 h 1049163"/>
+                <a:gd name="connsiteX3" fmla="*/ 3326965 w 4219723"/>
+                <a:gd name="connsiteY3" fmla="*/ 515084 h 1049163"/>
+                <a:gd name="connsiteX4" fmla="*/ 3053068 w 4219723"/>
+                <a:gd name="connsiteY4" fmla="*/ 241248 h 1049163"/>
+                <a:gd name="connsiteX5" fmla="*/ 3053068 w 4219723"/>
+                <a:gd name="connsiteY5" fmla="*/ 0 h 1049163"/>
+                <a:gd name="connsiteX6" fmla="*/ 2383679 w 4219723"/>
+                <a:gd name="connsiteY6" fmla="*/ 0 h 1049163"/>
+                <a:gd name="connsiteX7" fmla="*/ 2383679 w 4219723"/>
+                <a:gd name="connsiteY7" fmla="*/ 241248 h 1049163"/>
+                <a:gd name="connsiteX8" fmla="*/ 2109782 w 4219723"/>
+                <a:gd name="connsiteY8" fmla="*/ 515084 h 1049163"/>
+                <a:gd name="connsiteX9" fmla="*/ 1835885 w 4219723"/>
+                <a:gd name="connsiteY9" fmla="*/ 241248 h 1049163"/>
+                <a:gd name="connsiteX10" fmla="*/ 1835885 w 4219723"/>
+                <a:gd name="connsiteY10" fmla="*/ 0 h 1049163"/>
+                <a:gd name="connsiteX11" fmla="*/ 1166496 w 4219723"/>
+                <a:gd name="connsiteY11" fmla="*/ 0 h 1049163"/>
+                <a:gd name="connsiteX12" fmla="*/ 1166496 w 4219723"/>
+                <a:gd name="connsiteY12" fmla="*/ 241248 h 1049163"/>
+                <a:gd name="connsiteX13" fmla="*/ 892598 w 4219723"/>
+                <a:gd name="connsiteY13" fmla="*/ 515084 h 1049163"/>
+                <a:gd name="connsiteX14" fmla="*/ 618701 w 4219723"/>
+                <a:gd name="connsiteY14" fmla="*/ 241248 h 1049163"/>
+                <a:gd name="connsiteX15" fmla="*/ 618701 w 4219723"/>
+                <a:gd name="connsiteY15" fmla="*/ 0 h 1049163"/>
+                <a:gd name="connsiteX16" fmla="*/ 594797 w 4219723"/>
+                <a:gd name="connsiteY16" fmla="*/ 0 h 1049163"/>
+                <a:gd name="connsiteX17" fmla="*/ 0 w 4219723"/>
+                <a:gd name="connsiteY17" fmla="*/ 594797 h 1049163"/>
+                <a:gd name="connsiteX18" fmla="*/ 0 w 4219723"/>
+                <a:gd name="connsiteY18" fmla="*/ 1049163 h 1049163"/>
+                <a:gd name="connsiteX19" fmla="*/ 4219723 w 4219723"/>
+                <a:gd name="connsiteY19" fmla="*/ 1049163 h 1049163"/>
+                <a:gd name="connsiteX20" fmla="*/ 4219723 w 4219723"/>
+                <a:gd name="connsiteY20" fmla="*/ 594797 h 1049163"/>
+                <a:gd name="connsiteX21" fmla="*/ 3624909 w 4219723"/>
+                <a:gd name="connsiteY21" fmla="*/ 0 h 1049163"/>
+              </a:gdLst>
+              <a:ahLst/>
+              <a:cxnLst>
+                <a:cxn ang="0">
+                  <a:pos x="connsiteX0" y="connsiteY0"/>
+                </a:cxn>
+                <a:cxn ang="0">
+                  <a:pos x="connsiteX1" y="connsiteY1"/>
+                </a:cxn>
+                <a:cxn ang="0">
+                  <a:pos x="connsiteX2" y="connsiteY2"/>
+                </a:cxn>
+                <a:cxn ang="0">
+                  <a:pos x="connsiteX3" y="connsiteY3"/>
+                </a:cxn>
+                <a:cxn ang="0">
+                  <a:pos x="connsiteX4" y="connsiteY4"/>
+                </a:cxn>
+                <a:cxn ang="0">
+                  <a:pos x="connsiteX5" y="connsiteY5"/>
+                </a:cxn>
+                <a:cxn ang="0">
+                  <a:pos x="connsiteX6" y="connsiteY6"/>
+                </a:cxn>
+                <a:cxn ang="0">
+                  <a:pos x="connsiteX7" y="connsiteY7"/>
+                </a:cxn>
+                <a:cxn ang="0">
+                  <a:pos x="connsiteX8" y="connsiteY8"/>
+                </a:cxn>
+                <a:cxn ang="0">
+                  <a:pos x="connsiteX9" y="connsiteY9"/>
+                </a:cxn>
+                <a:cxn ang="0">
+                  <a:pos x="connsiteX10" y="connsiteY10"/>
+                </a:cxn>
+                <a:cxn ang="0">
+                  <a:pos x="connsiteX11" y="connsiteY11"/>
+                </a:cxn>
+                <a:cxn ang="0">
+                  <a:pos x="connsiteX12" y="connsiteY12"/>
+                </a:cxn>
+                <a:cxn ang="0">
+                  <a:pos x="connsiteX13" y="connsiteY13"/>
+                </a:cxn>
+                <a:cxn ang="0">
+                  <a:pos x="connsiteX14" y="connsiteY14"/>
+                </a:cxn>
+                <a:cxn ang="0">
+                  <a:pos x="connsiteX15" y="connsiteY15"/>
+                </a:cxn>
+                <a:cxn ang="0">
+                  <a:pos x="connsiteX16" y="connsiteY16"/>
+                </a:cxn>
+                <a:cxn ang="0">
+                  <a:pos x="connsiteX17" y="connsiteY17"/>
+                </a:cxn>
+                <a:cxn ang="0">
+                  <a:pos x="connsiteX18" y="connsiteY18"/>
+                </a:cxn>
+                <a:cxn ang="0">
+                  <a:pos x="connsiteX19" y="connsiteY19"/>
+                </a:cxn>
+                <a:cxn ang="0">
+                  <a:pos x="connsiteX20" y="connsiteY20"/>
+                </a:cxn>
+                <a:cxn ang="0">
+                  <a:pos x="connsiteX21" y="connsiteY21"/>
+                </a:cxn>
+              </a:cxnLst>
+              <a:rect l="l" t="t" r="r" b="b"/>
+              <a:pathLst>
+                <a:path w="4219723" h="1049163">
+                  <a:moveTo>
+                    <a:pt x="3624909" y="0"/>
+                  </a:moveTo>
+                  <a:lnTo>
+                    <a:pt x="3600863" y="0"/>
+                  </a:lnTo>
+                  <a:lnTo>
+                    <a:pt x="3600863" y="241248"/>
+                  </a:lnTo>
+                  <a:cubicBezTo>
+                    <a:pt x="3600863" y="392205"/>
+                    <a:pt x="3478055" y="515084"/>
+                    <a:pt x="3326965" y="515084"/>
+                  </a:cubicBezTo>
+                  <a:cubicBezTo>
+                    <a:pt x="3176009" y="515084"/>
+                    <a:pt x="3053068" y="392196"/>
+                    <a:pt x="3053068" y="241248"/>
+                  </a:cubicBezTo>
+                  <a:lnTo>
+                    <a:pt x="3053068" y="0"/>
+                  </a:lnTo>
+                  <a:lnTo>
+                    <a:pt x="2383679" y="0"/>
+                  </a:lnTo>
+                  <a:lnTo>
+                    <a:pt x="2383679" y="241248"/>
+                  </a:lnTo>
+                  <a:cubicBezTo>
+                    <a:pt x="2383679" y="392205"/>
+                    <a:pt x="2260738" y="515084"/>
+                    <a:pt x="2109782" y="515084"/>
+                  </a:cubicBezTo>
+                  <a:cubicBezTo>
+                    <a:pt x="1958826" y="515084"/>
+                    <a:pt x="1835885" y="392196"/>
+                    <a:pt x="1835885" y="241248"/>
+                  </a:cubicBezTo>
+                  <a:lnTo>
+                    <a:pt x="1835885" y="0"/>
+                  </a:lnTo>
+                  <a:lnTo>
+                    <a:pt x="1166496" y="0"/>
+                  </a:lnTo>
+                  <a:lnTo>
+                    <a:pt x="1166496" y="241248"/>
+                  </a:lnTo>
+                  <a:cubicBezTo>
+                    <a:pt x="1166496" y="392205"/>
+                    <a:pt x="1043555" y="515084"/>
+                    <a:pt x="892598" y="515084"/>
+                  </a:cubicBezTo>
+                  <a:cubicBezTo>
+                    <a:pt x="741642" y="515084"/>
+                    <a:pt x="618701" y="392196"/>
+                    <a:pt x="618701" y="241248"/>
+                  </a:cubicBezTo>
+                  <a:lnTo>
+                    <a:pt x="618701" y="0"/>
+                  </a:lnTo>
+                  <a:lnTo>
+                    <a:pt x="594797" y="0"/>
+                  </a:lnTo>
+                  <a:cubicBezTo>
+                    <a:pt x="266251" y="0"/>
+                    <a:pt x="0" y="266313"/>
+                    <a:pt x="0" y="594797"/>
+                  </a:cubicBezTo>
+                  <a:lnTo>
+                    <a:pt x="0" y="1049163"/>
+                  </a:lnTo>
+                  <a:lnTo>
+                    <a:pt x="4219723" y="1049163"/>
+                  </a:lnTo>
+                  <a:lnTo>
+                    <a:pt x="4219723" y="594797"/>
+                  </a:lnTo>
+                  <a:cubicBezTo>
+                    <a:pt x="4219706" y="266322"/>
+                    <a:pt x="3953313" y="0"/>
+                    <a:pt x="3624909" y="0"/>
+                  </a:cubicBezTo>
+                  <a:close/>
+                </a:path>
+              </a:pathLst>
+            </a:custGeom>
+            <a:grpFill/>
+            <a:ln w="8855" cap="flat">
               <a:noFill/>
               <a:prstDash val="solid"/>
               <a:miter/>
@@ -5460,10 +4948,10 @@
         </p:sp>
         <p:sp>
           <p:nvSpPr>
-            <p:cNvPr id="29" name="フリーフォーム: 図形 28">
+            <p:cNvPr id="11" name="フリーフォーム: 図形 10">
               <a:extLst>
                 <a:ext uri="{FF2B5EF4-FFF2-40B4-BE49-F238E27FC236}">
-                  <a16:creationId xmlns:a16="http://schemas.microsoft.com/office/drawing/2014/main" id="{3358D3BA-9D27-38F2-BFC4-A39F1DC648F2}"/>
+                  <a16:creationId xmlns:a16="http://schemas.microsoft.com/office/drawing/2014/main" id="{6F1FF6BC-5A28-9E80-512F-E4BEBD300BCB}"/>
                 </a:ext>
               </a:extLst>
             </p:cNvPr>
@@ -5472,22 +4960,26 @@
           </p:nvSpPr>
           <p:spPr>
             <a:xfrm>
-              <a:off x="4762861" y="3225597"/>
-              <a:ext cx="2080942" cy="2080947"/>
+              <a:off x="4570701" y="958418"/>
+              <a:ext cx="304357" cy="791169"/>
             </a:xfrm>
             <a:custGeom>
               <a:avLst/>
               <a:gdLst>
-                <a:gd name="connsiteX0" fmla="*/ 0 w 2080942"/>
-                <a:gd name="connsiteY0" fmla="*/ 1481185 h 2080947"/>
-                <a:gd name="connsiteX1" fmla="*/ 0 w 2080942"/>
-                <a:gd name="connsiteY1" fmla="*/ 2080948 h 2080947"/>
-                <a:gd name="connsiteX2" fmla="*/ 599802 w 2080942"/>
-                <a:gd name="connsiteY2" fmla="*/ 2080948 h 2080947"/>
-                <a:gd name="connsiteX3" fmla="*/ 2080943 w 2080942"/>
-                <a:gd name="connsiteY3" fmla="*/ 599763 h 2080947"/>
-                <a:gd name="connsiteX4" fmla="*/ 1481220 w 2080942"/>
-                <a:gd name="connsiteY4" fmla="*/ 0 h 2080947"/>
+                <a:gd name="connsiteX0" fmla="*/ 152179 w 304357"/>
+                <a:gd name="connsiteY0" fmla="*/ 791169 h 791169"/>
+                <a:gd name="connsiteX1" fmla="*/ 304358 w 304357"/>
+                <a:gd name="connsiteY1" fmla="*/ 639052 h 791169"/>
+                <a:gd name="connsiteX2" fmla="*/ 304358 w 304357"/>
+                <a:gd name="connsiteY2" fmla="*/ 152108 h 791169"/>
+                <a:gd name="connsiteX3" fmla="*/ 152179 w 304357"/>
+                <a:gd name="connsiteY3" fmla="*/ 0 h 791169"/>
+                <a:gd name="connsiteX4" fmla="*/ 0 w 304357"/>
+                <a:gd name="connsiteY4" fmla="*/ 152117 h 791169"/>
+                <a:gd name="connsiteX5" fmla="*/ 0 w 304357"/>
+                <a:gd name="connsiteY5" fmla="*/ 639061 h 791169"/>
+                <a:gd name="connsiteX6" fmla="*/ 152179 w 304357"/>
+                <a:gd name="connsiteY6" fmla="*/ 791169 h 791169"/>
               </a:gdLst>
               <a:ahLst/>
               <a:cxnLst>
@@ -5506,33 +4998,51 @@
                 <a:cxn ang="0">
                   <a:pos x="connsiteX4" y="connsiteY4"/>
                 </a:cxn>
+                <a:cxn ang="0">
+                  <a:pos x="connsiteX5" y="connsiteY5"/>
+                </a:cxn>
+                <a:cxn ang="0">
+                  <a:pos x="connsiteX6" y="connsiteY6"/>
+                </a:cxn>
               </a:cxnLst>
               <a:rect l="l" t="t" r="r" b="b"/>
               <a:pathLst>
-                <a:path w="2080942" h="2080947">
+                <a:path w="304357" h="791169">
                   <a:moveTo>
-                    <a:pt x="0" y="1481185"/>
+                    <a:pt x="152179" y="791169"/>
                   </a:moveTo>
+                  <a:cubicBezTo>
+                    <a:pt x="236198" y="791169"/>
+                    <a:pt x="304358" y="723072"/>
+                    <a:pt x="304358" y="639052"/>
+                  </a:cubicBezTo>
                   <a:lnTo>
-                    <a:pt x="0" y="2080948"/>
+                    <a:pt x="304358" y="152108"/>
                   </a:lnTo>
+                  <a:cubicBezTo>
+                    <a:pt x="304367" y="68098"/>
+                    <a:pt x="236198" y="0"/>
+                    <a:pt x="152179" y="0"/>
+                  </a:cubicBezTo>
+                  <a:cubicBezTo>
+                    <a:pt x="68160" y="0"/>
+                    <a:pt x="0" y="68098"/>
+                    <a:pt x="0" y="152117"/>
+                  </a:cubicBezTo>
                   <a:lnTo>
-                    <a:pt x="599802" y="2080948"/>
+                    <a:pt x="0" y="639061"/>
                   </a:lnTo>
-                  <a:lnTo>
-                    <a:pt x="2080943" y="599763"/>
-                  </a:lnTo>
-                  <a:lnTo>
-                    <a:pt x="1481220" y="0"/>
-                  </a:lnTo>
+                  <a:cubicBezTo>
+                    <a:pt x="0" y="723072"/>
+                    <a:pt x="68169" y="791169"/>
+                    <a:pt x="152179" y="791169"/>
+                  </a:cubicBezTo>
                   <a:close/>
                 </a:path>
               </a:pathLst>
             </a:custGeom>
-            <a:solidFill>
-              <a:srgbClr val="FFFFFF"/>
-            </a:solidFill>
-            <a:ln w="4893" cap="flat">
+            <a:grpFill/>
+            <a:ln w="8855" cap="flat">
               <a:noFill/>
               <a:prstDash val="solid"/>
               <a:miter/>
@@ -5546,7 +5056,574 @@
             </a:p>
           </p:txBody>
         </p:sp>
+        <p:sp>
+          <p:nvSpPr>
+            <p:cNvPr id="12" name="フリーフォーム: 図形 11">
+              <a:extLst>
+                <a:ext uri="{FF2B5EF4-FFF2-40B4-BE49-F238E27FC236}">
+                  <a16:creationId xmlns:a16="http://schemas.microsoft.com/office/drawing/2014/main" id="{D2FA2112-B8D2-8CFC-5521-14EF39BEEF39}"/>
+                </a:ext>
+              </a:extLst>
+            </p:cNvPr>
+            <p:cNvSpPr/>
+            <p:nvPr/>
+          </p:nvSpPr>
+          <p:spPr>
+            <a:xfrm>
+              <a:off x="5787885" y="958418"/>
+              <a:ext cx="304366" cy="791169"/>
+            </a:xfrm>
+            <a:custGeom>
+              <a:avLst/>
+              <a:gdLst>
+                <a:gd name="connsiteX0" fmla="*/ 152179 w 304366"/>
+                <a:gd name="connsiteY0" fmla="*/ 791169 h 791169"/>
+                <a:gd name="connsiteX1" fmla="*/ 304367 w 304366"/>
+                <a:gd name="connsiteY1" fmla="*/ 639052 h 791169"/>
+                <a:gd name="connsiteX2" fmla="*/ 304367 w 304366"/>
+                <a:gd name="connsiteY2" fmla="*/ 152108 h 791169"/>
+                <a:gd name="connsiteX3" fmla="*/ 152179 w 304366"/>
+                <a:gd name="connsiteY3" fmla="*/ 0 h 791169"/>
+                <a:gd name="connsiteX4" fmla="*/ 0 w 304366"/>
+                <a:gd name="connsiteY4" fmla="*/ 152117 h 791169"/>
+                <a:gd name="connsiteX5" fmla="*/ 0 w 304366"/>
+                <a:gd name="connsiteY5" fmla="*/ 639061 h 791169"/>
+                <a:gd name="connsiteX6" fmla="*/ 152179 w 304366"/>
+                <a:gd name="connsiteY6" fmla="*/ 791169 h 791169"/>
+              </a:gdLst>
+              <a:ahLst/>
+              <a:cxnLst>
+                <a:cxn ang="0">
+                  <a:pos x="connsiteX0" y="connsiteY0"/>
+                </a:cxn>
+                <a:cxn ang="0">
+                  <a:pos x="connsiteX1" y="connsiteY1"/>
+                </a:cxn>
+                <a:cxn ang="0">
+                  <a:pos x="connsiteX2" y="connsiteY2"/>
+                </a:cxn>
+                <a:cxn ang="0">
+                  <a:pos x="connsiteX3" y="connsiteY3"/>
+                </a:cxn>
+                <a:cxn ang="0">
+                  <a:pos x="connsiteX4" y="connsiteY4"/>
+                </a:cxn>
+                <a:cxn ang="0">
+                  <a:pos x="connsiteX5" y="connsiteY5"/>
+                </a:cxn>
+                <a:cxn ang="0">
+                  <a:pos x="connsiteX6" y="connsiteY6"/>
+                </a:cxn>
+              </a:cxnLst>
+              <a:rect l="l" t="t" r="r" b="b"/>
+              <a:pathLst>
+                <a:path w="304366" h="791169">
+                  <a:moveTo>
+                    <a:pt x="152179" y="791169"/>
+                  </a:moveTo>
+                  <a:cubicBezTo>
+                    <a:pt x="236198" y="791169"/>
+                    <a:pt x="304367" y="723072"/>
+                    <a:pt x="304367" y="639052"/>
+                  </a:cubicBezTo>
+                  <a:lnTo>
+                    <a:pt x="304367" y="152108"/>
+                  </a:lnTo>
+                  <a:cubicBezTo>
+                    <a:pt x="304367" y="68098"/>
+                    <a:pt x="236198" y="0"/>
+                    <a:pt x="152179" y="0"/>
+                  </a:cubicBezTo>
+                  <a:cubicBezTo>
+                    <a:pt x="68169" y="0"/>
+                    <a:pt x="0" y="68098"/>
+                    <a:pt x="0" y="152117"/>
+                  </a:cubicBezTo>
+                  <a:lnTo>
+                    <a:pt x="0" y="639061"/>
+                  </a:lnTo>
+                  <a:cubicBezTo>
+                    <a:pt x="0" y="723072"/>
+                    <a:pt x="68169" y="791169"/>
+                    <a:pt x="152179" y="791169"/>
+                  </a:cubicBezTo>
+                  <a:close/>
+                </a:path>
+              </a:pathLst>
+            </a:custGeom>
+            <a:grpFill/>
+            <a:ln w="8855" cap="flat">
+              <a:noFill/>
+              <a:prstDash val="solid"/>
+              <a:miter/>
+            </a:ln>
+          </p:spPr>
+          <p:txBody>
+            <a:bodyPr rtlCol="0" anchor="ctr"/>
+            <a:lstStyle/>
+            <a:p>
+              <a:endParaRPr lang="ja-JP" altLang="en-US"/>
+            </a:p>
+          </p:txBody>
+        </p:sp>
+        <p:sp>
+          <p:nvSpPr>
+            <p:cNvPr id="14" name="フリーフォーム: 図形 13">
+              <a:extLst>
+                <a:ext uri="{FF2B5EF4-FFF2-40B4-BE49-F238E27FC236}">
+                  <a16:creationId xmlns:a16="http://schemas.microsoft.com/office/drawing/2014/main" id="{34E5603E-29A3-7481-ADE3-5A73EA5EEF89}"/>
+                </a:ext>
+              </a:extLst>
+            </p:cNvPr>
+            <p:cNvSpPr/>
+            <p:nvPr/>
+          </p:nvSpPr>
+          <p:spPr>
+            <a:xfrm>
+              <a:off x="7005077" y="958418"/>
+              <a:ext cx="304357" cy="791169"/>
+            </a:xfrm>
+            <a:custGeom>
+              <a:avLst/>
+              <a:gdLst>
+                <a:gd name="connsiteX0" fmla="*/ 152179 w 304357"/>
+                <a:gd name="connsiteY0" fmla="*/ 791169 h 791169"/>
+                <a:gd name="connsiteX1" fmla="*/ 304358 w 304357"/>
+                <a:gd name="connsiteY1" fmla="*/ 639052 h 791169"/>
+                <a:gd name="connsiteX2" fmla="*/ 304358 w 304357"/>
+                <a:gd name="connsiteY2" fmla="*/ 152108 h 791169"/>
+                <a:gd name="connsiteX3" fmla="*/ 152179 w 304357"/>
+                <a:gd name="connsiteY3" fmla="*/ 0 h 791169"/>
+                <a:gd name="connsiteX4" fmla="*/ 0 w 304357"/>
+                <a:gd name="connsiteY4" fmla="*/ 152117 h 791169"/>
+                <a:gd name="connsiteX5" fmla="*/ 0 w 304357"/>
+                <a:gd name="connsiteY5" fmla="*/ 639061 h 791169"/>
+                <a:gd name="connsiteX6" fmla="*/ 152179 w 304357"/>
+                <a:gd name="connsiteY6" fmla="*/ 791169 h 791169"/>
+              </a:gdLst>
+              <a:ahLst/>
+              <a:cxnLst>
+                <a:cxn ang="0">
+                  <a:pos x="connsiteX0" y="connsiteY0"/>
+                </a:cxn>
+                <a:cxn ang="0">
+                  <a:pos x="connsiteX1" y="connsiteY1"/>
+                </a:cxn>
+                <a:cxn ang="0">
+                  <a:pos x="connsiteX2" y="connsiteY2"/>
+                </a:cxn>
+                <a:cxn ang="0">
+                  <a:pos x="connsiteX3" y="connsiteY3"/>
+                </a:cxn>
+                <a:cxn ang="0">
+                  <a:pos x="connsiteX4" y="connsiteY4"/>
+                </a:cxn>
+                <a:cxn ang="0">
+                  <a:pos x="connsiteX5" y="connsiteY5"/>
+                </a:cxn>
+                <a:cxn ang="0">
+                  <a:pos x="connsiteX6" y="connsiteY6"/>
+                </a:cxn>
+              </a:cxnLst>
+              <a:rect l="l" t="t" r="r" b="b"/>
+              <a:pathLst>
+                <a:path w="304357" h="791169">
+                  <a:moveTo>
+                    <a:pt x="152179" y="791169"/>
+                  </a:moveTo>
+                  <a:cubicBezTo>
+                    <a:pt x="236189" y="791169"/>
+                    <a:pt x="304358" y="723072"/>
+                    <a:pt x="304358" y="639052"/>
+                  </a:cubicBezTo>
+                  <a:lnTo>
+                    <a:pt x="304358" y="152108"/>
+                  </a:lnTo>
+                  <a:cubicBezTo>
+                    <a:pt x="304358" y="68098"/>
+                    <a:pt x="236189" y="0"/>
+                    <a:pt x="152179" y="0"/>
+                  </a:cubicBezTo>
+                  <a:cubicBezTo>
+                    <a:pt x="68169" y="0"/>
+                    <a:pt x="0" y="68098"/>
+                    <a:pt x="0" y="152117"/>
+                  </a:cubicBezTo>
+                  <a:lnTo>
+                    <a:pt x="0" y="639061"/>
+                  </a:lnTo>
+                  <a:cubicBezTo>
+                    <a:pt x="0" y="723072"/>
+                    <a:pt x="68169" y="791169"/>
+                    <a:pt x="152179" y="791169"/>
+                  </a:cubicBezTo>
+                  <a:close/>
+                </a:path>
+              </a:pathLst>
+            </a:custGeom>
+            <a:grpFill/>
+            <a:ln w="8855" cap="flat">
+              <a:noFill/>
+              <a:prstDash val="solid"/>
+              <a:miter/>
+            </a:ln>
+          </p:spPr>
+          <p:txBody>
+            <a:bodyPr rtlCol="0" anchor="ctr"/>
+            <a:lstStyle/>
+            <a:p>
+              <a:endParaRPr lang="ja-JP" altLang="en-US"/>
+            </a:p>
+          </p:txBody>
+        </p:sp>
+        <p:sp>
+          <p:nvSpPr>
+            <p:cNvPr id="18" name="正方形/長方形 17">
+              <a:extLst>
+                <a:ext uri="{FF2B5EF4-FFF2-40B4-BE49-F238E27FC236}">
+                  <a16:creationId xmlns:a16="http://schemas.microsoft.com/office/drawing/2014/main" id="{E34E1E3F-33C4-9728-8F73-5480886F86FB}"/>
+                </a:ext>
+              </a:extLst>
+            </p:cNvPr>
+            <p:cNvSpPr/>
+            <p:nvPr/>
+          </p:nvSpPr>
+          <p:spPr>
+            <a:xfrm>
+              <a:off x="4570701" y="3103568"/>
+              <a:ext cx="2919713" cy="1703876"/>
+            </a:xfrm>
+            <a:prstGeom prst="rect">
+              <a:avLst/>
+            </a:prstGeom>
+            <a:grpFill/>
+            <a:ln>
+              <a:noFill/>
+            </a:ln>
+          </p:spPr>
+          <p:style>
+            <a:lnRef idx="2">
+              <a:schemeClr val="accent1">
+                <a:shade val="15000"/>
+              </a:schemeClr>
+            </a:lnRef>
+            <a:fillRef idx="1">
+              <a:schemeClr val="accent1"/>
+            </a:fillRef>
+            <a:effectRef idx="0">
+              <a:schemeClr val="accent1"/>
+            </a:effectRef>
+            <a:fontRef idx="minor">
+              <a:schemeClr val="lt1"/>
+            </a:fontRef>
+          </p:style>
+          <p:txBody>
+            <a:bodyPr rtlCol="0" anchor="ctr"/>
+            <a:lstStyle/>
+            <a:p>
+              <a:pPr algn="ctr"/>
+              <a:endParaRPr kumimoji="1" lang="ja-JP" altLang="en-US"/>
+            </a:p>
+          </p:txBody>
+        </p:sp>
+        <p:grpSp>
+          <p:nvGrpSpPr>
+            <p:cNvPr id="24" name="グラフィックス 21">
+              <a:extLst>
+                <a:ext uri="{FF2B5EF4-FFF2-40B4-BE49-F238E27FC236}">
+                  <a16:creationId xmlns:a16="http://schemas.microsoft.com/office/drawing/2014/main" id="{6022DB37-604A-186A-282F-E134BB68A281}"/>
+                </a:ext>
+              </a:extLst>
+            </p:cNvPr>
+            <p:cNvGrpSpPr/>
+            <p:nvPr/>
+          </p:nvGrpSpPr>
+          <p:grpSpPr>
+            <a:xfrm>
+              <a:off x="5004985" y="2868252"/>
+              <a:ext cx="2174532" cy="2174508"/>
+              <a:chOff x="4762861" y="2801095"/>
+              <a:chExt cx="2505477" cy="2505450"/>
+            </a:xfrm>
+            <a:grpFill/>
+          </p:grpSpPr>
+          <p:sp>
+            <p:nvSpPr>
+              <p:cNvPr id="26" name="フリーフォーム: 図形 25">
+                <a:extLst>
+                  <a:ext uri="{FF2B5EF4-FFF2-40B4-BE49-F238E27FC236}">
+                    <a16:creationId xmlns:a16="http://schemas.microsoft.com/office/drawing/2014/main" id="{7DDDFCE0-1888-2787-3E20-085B44004930}"/>
+                  </a:ext>
+                </a:extLst>
+              </p:cNvPr>
+              <p:cNvSpPr/>
+              <p:nvPr/>
+            </p:nvSpPr>
+            <p:spPr>
+              <a:xfrm>
+                <a:off x="6407626" y="2801095"/>
+                <a:ext cx="860711" cy="860689"/>
+              </a:xfrm>
+              <a:custGeom>
+                <a:avLst/>
+                <a:gdLst>
+                  <a:gd name="connsiteX0" fmla="*/ 775366 w 860711"/>
+                  <a:gd name="connsiteY0" fmla="*/ 272916 h 860689"/>
+                  <a:gd name="connsiteX1" fmla="*/ 587729 w 860711"/>
+                  <a:gd name="connsiteY1" fmla="*/ 85358 h 860689"/>
+                  <a:gd name="connsiteX2" fmla="*/ 175569 w 860711"/>
+                  <a:gd name="connsiteY2" fmla="*/ 85358 h 860689"/>
+                  <a:gd name="connsiteX3" fmla="*/ 0 w 860711"/>
+                  <a:gd name="connsiteY3" fmla="*/ 260927 h 860689"/>
+                  <a:gd name="connsiteX4" fmla="*/ 599762 w 860711"/>
+                  <a:gd name="connsiteY4" fmla="*/ 860690 h 860689"/>
+                  <a:gd name="connsiteX5" fmla="*/ 775371 w 860711"/>
+                  <a:gd name="connsiteY5" fmla="*/ 685121 h 860689"/>
+                  <a:gd name="connsiteX6" fmla="*/ 775366 w 860711"/>
+                  <a:gd name="connsiteY6" fmla="*/ 272916 h 860689"/>
+                </a:gdLst>
+                <a:ahLst/>
+                <a:cxnLst>
+                  <a:cxn ang="0">
+                    <a:pos x="connsiteX0" y="connsiteY0"/>
+                  </a:cxn>
+                  <a:cxn ang="0">
+                    <a:pos x="connsiteX1" y="connsiteY1"/>
+                  </a:cxn>
+                  <a:cxn ang="0">
+                    <a:pos x="connsiteX2" y="connsiteY2"/>
+                  </a:cxn>
+                  <a:cxn ang="0">
+                    <a:pos x="connsiteX3" y="connsiteY3"/>
+                  </a:cxn>
+                  <a:cxn ang="0">
+                    <a:pos x="connsiteX4" y="connsiteY4"/>
+                  </a:cxn>
+                  <a:cxn ang="0">
+                    <a:pos x="connsiteX5" y="connsiteY5"/>
+                  </a:cxn>
+                  <a:cxn ang="0">
+                    <a:pos x="connsiteX6" y="connsiteY6"/>
+                  </a:cxn>
+                </a:cxnLst>
+                <a:rect l="l" t="t" r="r" b="b"/>
+                <a:pathLst>
+                  <a:path w="860711" h="860689">
+                    <a:moveTo>
+                      <a:pt x="775366" y="272916"/>
+                    </a:moveTo>
+                    <a:lnTo>
+                      <a:pt x="587729" y="85358"/>
+                    </a:lnTo>
+                    <a:cubicBezTo>
+                      <a:pt x="473941" y="-28475"/>
+                      <a:pt x="289397" y="-28431"/>
+                      <a:pt x="175569" y="85358"/>
+                    </a:cubicBezTo>
+                    <a:lnTo>
+                      <a:pt x="0" y="260927"/>
+                    </a:lnTo>
+                    <a:lnTo>
+                      <a:pt x="599762" y="860690"/>
+                    </a:lnTo>
+                    <a:lnTo>
+                      <a:pt x="775371" y="685121"/>
+                    </a:lnTo>
+                    <a:cubicBezTo>
+                      <a:pt x="889160" y="571288"/>
+                      <a:pt x="889160" y="386788"/>
+                      <a:pt x="775366" y="272916"/>
+                    </a:cubicBezTo>
+                    <a:close/>
+                  </a:path>
+                </a:pathLst>
+              </a:custGeom>
+              <a:solidFill>
+                <a:schemeClr val="bg1"/>
+              </a:solidFill>
+              <a:ln w="4893" cap="flat">
+                <a:noFill/>
+                <a:prstDash val="solid"/>
+                <a:miter/>
+              </a:ln>
+            </p:spPr>
+            <p:txBody>
+              <a:bodyPr rtlCol="0" anchor="ctr"/>
+              <a:lstStyle/>
+              <a:p>
+                <a:endParaRPr lang="ja-JP" altLang="en-US"/>
+              </a:p>
+            </p:txBody>
+          </p:sp>
+          <p:sp>
+            <p:nvSpPr>
+              <p:cNvPr id="29" name="フリーフォーム: 図形 28">
+                <a:extLst>
+                  <a:ext uri="{FF2B5EF4-FFF2-40B4-BE49-F238E27FC236}">
+                    <a16:creationId xmlns:a16="http://schemas.microsoft.com/office/drawing/2014/main" id="{3358D3BA-9D27-38F2-BFC4-A39F1DC648F2}"/>
+                  </a:ext>
+                </a:extLst>
+              </p:cNvPr>
+              <p:cNvSpPr/>
+              <p:nvPr/>
+            </p:nvSpPr>
+            <p:spPr>
+              <a:xfrm>
+                <a:off x="4762861" y="3225597"/>
+                <a:ext cx="2080942" cy="2080947"/>
+              </a:xfrm>
+              <a:custGeom>
+                <a:avLst/>
+                <a:gdLst>
+                  <a:gd name="connsiteX0" fmla="*/ 0 w 2080942"/>
+                  <a:gd name="connsiteY0" fmla="*/ 1481185 h 2080947"/>
+                  <a:gd name="connsiteX1" fmla="*/ 0 w 2080942"/>
+                  <a:gd name="connsiteY1" fmla="*/ 2080948 h 2080947"/>
+                  <a:gd name="connsiteX2" fmla="*/ 599802 w 2080942"/>
+                  <a:gd name="connsiteY2" fmla="*/ 2080948 h 2080947"/>
+                  <a:gd name="connsiteX3" fmla="*/ 2080943 w 2080942"/>
+                  <a:gd name="connsiteY3" fmla="*/ 599763 h 2080947"/>
+                  <a:gd name="connsiteX4" fmla="*/ 1481220 w 2080942"/>
+                  <a:gd name="connsiteY4" fmla="*/ 0 h 2080947"/>
+                </a:gdLst>
+                <a:ahLst/>
+                <a:cxnLst>
+                  <a:cxn ang="0">
+                    <a:pos x="connsiteX0" y="connsiteY0"/>
+                  </a:cxn>
+                  <a:cxn ang="0">
+                    <a:pos x="connsiteX1" y="connsiteY1"/>
+                  </a:cxn>
+                  <a:cxn ang="0">
+                    <a:pos x="connsiteX2" y="connsiteY2"/>
+                  </a:cxn>
+                  <a:cxn ang="0">
+                    <a:pos x="connsiteX3" y="connsiteY3"/>
+                  </a:cxn>
+                  <a:cxn ang="0">
+                    <a:pos x="connsiteX4" y="connsiteY4"/>
+                  </a:cxn>
+                </a:cxnLst>
+                <a:rect l="l" t="t" r="r" b="b"/>
+                <a:pathLst>
+                  <a:path w="2080942" h="2080947">
+                    <a:moveTo>
+                      <a:pt x="0" y="1481185"/>
+                    </a:moveTo>
+                    <a:lnTo>
+                      <a:pt x="0" y="2080948"/>
+                    </a:lnTo>
+                    <a:lnTo>
+                      <a:pt x="599802" y="2080948"/>
+                    </a:lnTo>
+                    <a:lnTo>
+                      <a:pt x="2080943" y="599763"/>
+                    </a:lnTo>
+                    <a:lnTo>
+                      <a:pt x="1481220" y="0"/>
+                    </a:lnTo>
+                    <a:close/>
+                  </a:path>
+                </a:pathLst>
+              </a:custGeom>
+              <a:solidFill>
+                <a:schemeClr val="bg1"/>
+              </a:solidFill>
+              <a:ln w="4893" cap="flat">
+                <a:noFill/>
+                <a:prstDash val="solid"/>
+                <a:miter/>
+              </a:ln>
+            </p:spPr>
+            <p:txBody>
+              <a:bodyPr rtlCol="0" anchor="ctr"/>
+              <a:lstStyle/>
+              <a:p>
+                <a:endParaRPr lang="ja-JP" altLang="en-US" dirty="0"/>
+              </a:p>
+            </p:txBody>
+          </p:sp>
+        </p:grpSp>
       </p:grpSp>
+      <p:sp>
+        <p:nvSpPr>
+          <p:cNvPr id="3" name="正方形/長方形 2">
+            <a:extLst>
+              <a:ext uri="{FF2B5EF4-FFF2-40B4-BE49-F238E27FC236}">
+                <a16:creationId xmlns:a16="http://schemas.microsoft.com/office/drawing/2014/main" id="{99053039-68CE-D24F-CC06-132AB8BA3A02}"/>
+              </a:ext>
+            </a:extLst>
+          </p:cNvPr>
+          <p:cNvSpPr/>
+          <p:nvPr/>
+        </p:nvSpPr>
+        <p:spPr>
+          <a:xfrm>
+            <a:off x="817907" y="2221256"/>
+            <a:ext cx="9935936" cy="2907076"/>
+          </a:xfrm>
+          <a:prstGeom prst="rect">
+            <a:avLst/>
+          </a:prstGeom>
+          <a:solidFill>
+            <a:schemeClr val="tx1">
+              <a:lumMod val="50000"/>
+              <a:lumOff val="50000"/>
+              <a:alpha val="40000"/>
+            </a:schemeClr>
+          </a:solidFill>
+          <a:ln>
+            <a:noFill/>
+          </a:ln>
+          <a:effectLst>
+            <a:outerShdw blurRad="50800" dist="38100" dir="2700000" algn="tl" rotWithShape="0">
+              <a:prstClr val="black">
+                <a:alpha val="40000"/>
+              </a:prstClr>
+            </a:outerShdw>
+          </a:effectLst>
+        </p:spPr>
+        <p:style>
+          <a:lnRef idx="2">
+            <a:schemeClr val="accent3">
+              <a:shade val="15000"/>
+            </a:schemeClr>
+          </a:lnRef>
+          <a:fillRef idx="1">
+            <a:schemeClr val="accent3"/>
+          </a:fillRef>
+          <a:effectRef idx="0">
+            <a:schemeClr val="accent3"/>
+          </a:effectRef>
+          <a:fontRef idx="minor">
+            <a:schemeClr val="lt1"/>
+          </a:fontRef>
+        </p:style>
+        <p:txBody>
+          <a:bodyPr rtlCol="0" anchor="ctr"/>
+          <a:lstStyle/>
+          <a:p>
+            <a:pPr algn="ctr"/>
+            <a:r>
+              <a:rPr kumimoji="1" lang="en-US" altLang="ja-JP" sz="8000" dirty="0">
+                <a:solidFill>
+                  <a:schemeClr val="bg1"/>
+                </a:solidFill>
+                <a:latin typeface="Aharoni" panose="020F0502020204030204" pitchFamily="2" charset="-79"/>
+                <a:cs typeface="Aharoni" panose="020F0502020204030204" pitchFamily="2" charset="-79"/>
+              </a:rPr>
+              <a:t>Google Calendar Workload</a:t>
+            </a:r>
+            <a:endParaRPr kumimoji="1" lang="ja-JP" altLang="en-US" sz="8000" dirty="0">
+              <a:solidFill>
+                <a:schemeClr val="bg1"/>
+              </a:solidFill>
+              <a:latin typeface="Aharoni" panose="020F0502020204030204" pitchFamily="2" charset="-79"/>
+              <a:cs typeface="Aharoni" panose="020F0502020204030204" pitchFamily="2" charset="-79"/>
+            </a:endParaRPr>
+          </a:p>
+        </p:txBody>
+      </p:sp>
     </p:spTree>
     <p:extLst>
       <p:ext uri="{BB962C8B-B14F-4D97-AF65-F5344CB8AC3E}">
@@ -6960,7 +7037,7 @@
               <a:bodyPr rtlCol="0" anchor="ctr"/>
               <a:lstStyle/>
               <a:p>
-                <a:endParaRPr lang="ja-JP" altLang="en-US"/>
+                <a:endParaRPr lang="ja-JP" altLang="en-US" dirty="0"/>
               </a:p>
             </p:txBody>
           </p:sp>
